--- a/my-presentation.pptx
+++ b/my-presentation.pptx
@@ -5,7 +5,7 @@
     <p:sldMasterId id="2147483674" r:id="rId1"/>
   </p:sldMasterIdLst>
   <p:notesMasterIdLst>
-    <p:notesMasterId r:id="rId17"/>
+    <p:notesMasterId r:id="rId13"/>
   </p:notesMasterIdLst>
   <p:sldIdLst>
     <p:sldId id="256" r:id="rId2"/>
@@ -19,10 +19,6 @@
     <p:sldId id="265" r:id="rId10"/>
     <p:sldId id="266" r:id="rId11"/>
     <p:sldId id="267" r:id="rId12"/>
-    <p:sldId id="268" r:id="rId13"/>
-    <p:sldId id="269" r:id="rId14"/>
-    <p:sldId id="270" r:id="rId15"/>
-    <p:sldId id="271" r:id="rId16"/>
   </p:sldIdLst>
   <p:sldSz cx="12192000" cy="6858000"/>
   <p:notesSz cx="6858000" cy="9144000"/>
@@ -121,6 +117,11 @@
       </a:defRPr>
     </a:lvl9pPr>
   </p:defaultTextStyle>
+  <p:extLst>
+    <p:ext uri="{EFAFB233-063F-42B5-8137-9DF3F51BA10A}">
+      <p15:sldGuideLst xmlns:p15="http://schemas.microsoft.com/office/powerpoint/2012/main"/>
+    </p:ext>
+  </p:extLst>
 </p:presentation>
 </file>
 
@@ -206,7 +207,7 @@
           <a:p>
             <a:fld id="{2664808E-92C2-0F48-A682-5FB3907F0085}" type="datetimeFigureOut">
               <a:rPr lang="en-US" smtClean="0"/>
-              <a:t>2/24/20</a:t>
+              <a:t>2/25/2020</a:t>
             </a:fld>
             <a:endParaRPr lang="en-US"/>
           </a:p>
@@ -270,38 +271,37 @@
           <a:p>
             <a:pPr lvl="0"/>
             <a:r>
-              <a:rPr lang="en-US" smtClean="0"/>
+              <a:rPr lang="en-US"/>
               <a:t>Click to edit Master text styles</a:t>
             </a:r>
           </a:p>
           <a:p>
             <a:pPr lvl="1"/>
             <a:r>
-              <a:rPr lang="en-US" smtClean="0"/>
+              <a:rPr lang="en-US"/>
               <a:t>Second level</a:t>
             </a:r>
           </a:p>
           <a:p>
             <a:pPr lvl="2"/>
             <a:r>
-              <a:rPr lang="en-US" smtClean="0"/>
+              <a:rPr lang="en-US"/>
               <a:t>Third level</a:t>
             </a:r>
           </a:p>
           <a:p>
             <a:pPr lvl="3"/>
             <a:r>
-              <a:rPr lang="en-US" smtClean="0"/>
+              <a:rPr lang="en-US"/>
               <a:t>Fourth level</a:t>
             </a:r>
           </a:p>
           <a:p>
             <a:pPr lvl="4"/>
             <a:r>
-              <a:rPr lang="en-US" smtClean="0"/>
+              <a:rPr lang="en-US"/>
               <a:t>Fifth level</a:t>
             </a:r>
-            <a:endParaRPr lang="en-US"/>
           </a:p>
         </p:txBody>
       </p:sp>
@@ -964,7 +964,7 @@
           </a:lstStyle>
           <a:p>
             <a:r>
-              <a:rPr lang="en-US" smtClean="0"/>
+              <a:rPr lang="en-US"/>
               <a:t>Click to edit Master title style</a:t>
             </a:r>
             <a:endParaRPr lang="en-US" dirty="0"/>
@@ -1035,7 +1035,7 @@
           </a:lstStyle>
           <a:p>
             <a:r>
-              <a:rPr lang="en-US" smtClean="0"/>
+              <a:rPr lang="en-US"/>
               <a:t>Click to edit Master subtitle style</a:t>
             </a:r>
             <a:endParaRPr lang="en-US" dirty="0"/>
@@ -1060,7 +1060,7 @@
             <a:fld id="{5923F103-BC34-4FE4-A40E-EDDEECFDA5D0}" type="datetimeFigureOut">
               <a:rPr lang="en-US" smtClean="0"/>
               <a:pPr/>
-              <a:t>2/24/20</a:t>
+              <a:t>2/25/2020</a:t>
             </a:fld>
             <a:endParaRPr lang="en-US" dirty="0"/>
           </a:p>
@@ -1164,10 +1164,9 @@
           <a:lstStyle/>
           <a:p>
             <a:r>
-              <a:rPr lang="en-US" smtClean="0"/>
+              <a:rPr lang="en-US"/>
               <a:t>Click to edit Master title style</a:t>
             </a:r>
-            <a:endParaRPr lang="en-US"/>
           </a:p>
         </p:txBody>
       </p:sp>
@@ -1188,38 +1187,37 @@
           <a:p>
             <a:pPr lvl="0"/>
             <a:r>
-              <a:rPr lang="en-US" smtClean="0"/>
+              <a:rPr lang="en-US"/>
               <a:t>Click to edit Master text styles</a:t>
             </a:r>
           </a:p>
           <a:p>
             <a:pPr lvl="1"/>
             <a:r>
-              <a:rPr lang="en-US" smtClean="0"/>
+              <a:rPr lang="en-US"/>
               <a:t>Second level</a:t>
             </a:r>
           </a:p>
           <a:p>
             <a:pPr lvl="2"/>
             <a:r>
-              <a:rPr lang="en-US" smtClean="0"/>
+              <a:rPr lang="en-US"/>
               <a:t>Third level</a:t>
             </a:r>
           </a:p>
           <a:p>
             <a:pPr lvl="3"/>
             <a:r>
-              <a:rPr lang="en-US" smtClean="0"/>
+              <a:rPr lang="en-US"/>
               <a:t>Fourth level</a:t>
             </a:r>
           </a:p>
           <a:p>
             <a:pPr lvl="4"/>
             <a:r>
-              <a:rPr lang="en-US" smtClean="0"/>
+              <a:rPr lang="en-US"/>
               <a:t>Fifth level</a:t>
             </a:r>
-            <a:endParaRPr lang="en-US"/>
           </a:p>
         </p:txBody>
       </p:sp>
@@ -1240,7 +1238,7 @@
           <a:p>
             <a:fld id="{53086D93-FCAC-47E0-A2EE-787E62CA814C}" type="datetimeFigureOut">
               <a:rPr lang="en-US" smtClean="0"/>
-              <a:t>2/24/20</a:t>
+              <a:t>2/25/2020</a:t>
             </a:fld>
             <a:endParaRPr lang="en-US" dirty="0"/>
           </a:p>
@@ -1340,7 +1338,7 @@
           <a:lstStyle/>
           <a:p>
             <a:r>
-              <a:rPr lang="en-US" smtClean="0"/>
+              <a:rPr lang="en-US"/>
               <a:t>Click to edit Master title style</a:t>
             </a:r>
             <a:endParaRPr lang="en-US" dirty="0"/>
@@ -1369,35 +1367,35 @@
           <a:p>
             <a:pPr lvl="0"/>
             <a:r>
-              <a:rPr lang="en-US" smtClean="0"/>
+              <a:rPr lang="en-US"/>
               <a:t>Click to edit Master text styles</a:t>
             </a:r>
           </a:p>
           <a:p>
             <a:pPr lvl="1"/>
             <a:r>
-              <a:rPr lang="en-US" smtClean="0"/>
+              <a:rPr lang="en-US"/>
               <a:t>Second level</a:t>
             </a:r>
           </a:p>
           <a:p>
             <a:pPr lvl="2"/>
             <a:r>
-              <a:rPr lang="en-US" smtClean="0"/>
+              <a:rPr lang="en-US"/>
               <a:t>Third level</a:t>
             </a:r>
           </a:p>
           <a:p>
             <a:pPr lvl="3"/>
             <a:r>
-              <a:rPr lang="en-US" smtClean="0"/>
+              <a:rPr lang="en-US"/>
               <a:t>Fourth level</a:t>
             </a:r>
           </a:p>
           <a:p>
             <a:pPr lvl="4"/>
             <a:r>
-              <a:rPr lang="en-US" smtClean="0"/>
+              <a:rPr lang="en-US"/>
               <a:t>Fifth level</a:t>
             </a:r>
             <a:endParaRPr lang="en-US" dirty="0"/>
@@ -1421,7 +1419,7 @@
           <a:p>
             <a:fld id="{CDA879A6-0FD0-4734-A311-86BFCA472E6E}" type="datetimeFigureOut">
               <a:rPr lang="en-US" smtClean="0"/>
-              <a:t>2/24/20</a:t>
+              <a:t>2/25/2020</a:t>
             </a:fld>
             <a:endParaRPr lang="en-US" dirty="0"/>
           </a:p>
@@ -1516,7 +1514,7 @@
           <a:lstStyle/>
           <a:p>
             <a:r>
-              <a:rPr lang="en-US" smtClean="0"/>
+              <a:rPr lang="en-US"/>
               <a:t>Click to edit Master title style</a:t>
             </a:r>
             <a:endParaRPr lang="en-US" dirty="0"/>
@@ -1540,35 +1538,35 @@
           <a:p>
             <a:pPr lvl="0"/>
             <a:r>
-              <a:rPr lang="en-US" smtClean="0"/>
+              <a:rPr lang="en-US"/>
               <a:t>Click to edit Master text styles</a:t>
             </a:r>
           </a:p>
           <a:p>
             <a:pPr lvl="1"/>
             <a:r>
-              <a:rPr lang="en-US" smtClean="0"/>
+              <a:rPr lang="en-US"/>
               <a:t>Second level</a:t>
             </a:r>
           </a:p>
           <a:p>
             <a:pPr lvl="2"/>
             <a:r>
-              <a:rPr lang="en-US" smtClean="0"/>
+              <a:rPr lang="en-US"/>
               <a:t>Third level</a:t>
             </a:r>
           </a:p>
           <a:p>
             <a:pPr lvl="3"/>
             <a:r>
-              <a:rPr lang="en-US" smtClean="0"/>
+              <a:rPr lang="en-US"/>
               <a:t>Fourth level</a:t>
             </a:r>
           </a:p>
           <a:p>
             <a:pPr lvl="4"/>
             <a:r>
-              <a:rPr lang="en-US" smtClean="0"/>
+              <a:rPr lang="en-US"/>
               <a:t>Fifth level</a:t>
             </a:r>
             <a:endParaRPr lang="en-US" dirty="0"/>
@@ -1592,7 +1590,7 @@
           <a:p>
             <a:fld id="{19C9CA7B-DFD4-44B5-8C60-D14B8CD1FB59}" type="datetimeFigureOut">
               <a:rPr lang="en-US" smtClean="0"/>
-              <a:t>2/24/20</a:t>
+              <a:t>2/25/2020</a:t>
             </a:fld>
             <a:endParaRPr lang="en-US" dirty="0"/>
           </a:p>
@@ -1766,7 +1764,7 @@
           </a:lstStyle>
           <a:p>
             <a:r>
-              <a:rPr lang="en-US" smtClean="0"/>
+              <a:rPr lang="en-US"/>
               <a:t>Click to edit Master title style</a:t>
             </a:r>
             <a:endParaRPr lang="en-US" dirty="0"/>
@@ -1886,7 +1884,7 @@
           <a:p>
             <a:pPr lvl="0"/>
             <a:r>
-              <a:rPr lang="en-US" smtClean="0"/>
+              <a:rPr lang="en-US"/>
               <a:t>Click to edit Master text styles</a:t>
             </a:r>
           </a:p>
@@ -1914,7 +1912,7 @@
           <a:p>
             <a:fld id="{F34E6425-0181-43F2-84FC-787E803FD2F8}" type="datetimeFigureOut">
               <a:rPr lang="en-US" smtClean="0"/>
-              <a:t>2/24/20</a:t>
+              <a:t>2/25/2020</a:t>
             </a:fld>
             <a:endParaRPr lang="en-US" dirty="0"/>
           </a:p>
@@ -2181,7 +2179,7 @@
           <a:lstStyle/>
           <a:p>
             <a:r>
-              <a:rPr lang="en-US" smtClean="0"/>
+              <a:rPr lang="en-US"/>
               <a:t>Click to edit Master title style</a:t>
             </a:r>
             <a:endParaRPr lang="en-US" dirty="0"/>
@@ -2238,35 +2236,35 @@
           <a:p>
             <a:pPr lvl="0"/>
             <a:r>
-              <a:rPr lang="en-US" smtClean="0"/>
+              <a:rPr lang="en-US"/>
               <a:t>Click to edit Master text styles</a:t>
             </a:r>
           </a:p>
           <a:p>
             <a:pPr lvl="1"/>
             <a:r>
-              <a:rPr lang="en-US" smtClean="0"/>
+              <a:rPr lang="en-US"/>
               <a:t>Second level</a:t>
             </a:r>
           </a:p>
           <a:p>
             <a:pPr lvl="2"/>
             <a:r>
-              <a:rPr lang="en-US" smtClean="0"/>
+              <a:rPr lang="en-US"/>
               <a:t>Third level</a:t>
             </a:r>
           </a:p>
           <a:p>
             <a:pPr lvl="3"/>
             <a:r>
-              <a:rPr lang="en-US" smtClean="0"/>
+              <a:rPr lang="en-US"/>
               <a:t>Fourth level</a:t>
             </a:r>
           </a:p>
           <a:p>
             <a:pPr lvl="4"/>
             <a:r>
-              <a:rPr lang="en-US" smtClean="0"/>
+              <a:rPr lang="en-US"/>
               <a:t>Fifth level</a:t>
             </a:r>
             <a:endParaRPr lang="en-US" dirty="0"/>
@@ -2323,35 +2321,35 @@
           <a:p>
             <a:pPr lvl="0"/>
             <a:r>
-              <a:rPr lang="en-US" smtClean="0"/>
+              <a:rPr lang="en-US"/>
               <a:t>Click to edit Master text styles</a:t>
             </a:r>
           </a:p>
           <a:p>
             <a:pPr lvl="1"/>
             <a:r>
-              <a:rPr lang="en-US" smtClean="0"/>
+              <a:rPr lang="en-US"/>
               <a:t>Second level</a:t>
             </a:r>
           </a:p>
           <a:p>
             <a:pPr lvl="2"/>
             <a:r>
-              <a:rPr lang="en-US" smtClean="0"/>
+              <a:rPr lang="en-US"/>
               <a:t>Third level</a:t>
             </a:r>
           </a:p>
           <a:p>
             <a:pPr lvl="3"/>
             <a:r>
-              <a:rPr lang="en-US" smtClean="0"/>
+              <a:rPr lang="en-US"/>
               <a:t>Fourth level</a:t>
             </a:r>
           </a:p>
           <a:p>
             <a:pPr lvl="4"/>
             <a:r>
-              <a:rPr lang="en-US" smtClean="0"/>
+              <a:rPr lang="en-US"/>
               <a:t>Fifth level</a:t>
             </a:r>
             <a:endParaRPr lang="en-US" dirty="0"/>
@@ -2375,7 +2373,7 @@
           <a:p>
             <a:fld id="{3BDB8791-F1B0-41E7-B7FD-A781E65C4266}" type="datetimeFigureOut">
               <a:rPr lang="en-US" smtClean="0"/>
-              <a:t>2/24/20</a:t>
+              <a:t>2/25/2020</a:t>
             </a:fld>
             <a:endParaRPr lang="en-US" dirty="0"/>
           </a:p>
@@ -2521,7 +2519,7 @@
           <a:p>
             <a:pPr lvl="0"/>
             <a:r>
-              <a:rPr lang="en-US" smtClean="0"/>
+              <a:rPr lang="en-US"/>
               <a:t>Click to edit Master text styles</a:t>
             </a:r>
           </a:p>
@@ -2577,35 +2575,35 @@
           <a:p>
             <a:pPr lvl="0"/>
             <a:r>
-              <a:rPr lang="en-US" smtClean="0"/>
+              <a:rPr lang="en-US"/>
               <a:t>Click to edit Master text styles</a:t>
             </a:r>
           </a:p>
           <a:p>
             <a:pPr lvl="1"/>
             <a:r>
-              <a:rPr lang="en-US" smtClean="0"/>
+              <a:rPr lang="en-US"/>
               <a:t>Second level</a:t>
             </a:r>
           </a:p>
           <a:p>
             <a:pPr lvl="2"/>
             <a:r>
-              <a:rPr lang="en-US" smtClean="0"/>
+              <a:rPr lang="en-US"/>
               <a:t>Third level</a:t>
             </a:r>
           </a:p>
           <a:p>
             <a:pPr lvl="3"/>
             <a:r>
-              <a:rPr lang="en-US" smtClean="0"/>
+              <a:rPr lang="en-US"/>
               <a:t>Fourth level</a:t>
             </a:r>
           </a:p>
           <a:p>
             <a:pPr lvl="4"/>
             <a:r>
-              <a:rPr lang="en-US" smtClean="0"/>
+              <a:rPr lang="en-US"/>
               <a:t>Fifth level</a:t>
             </a:r>
             <a:endParaRPr lang="en-US" dirty="0"/>
@@ -2679,7 +2677,7 @@
           <a:p>
             <a:pPr lvl="0"/>
             <a:r>
-              <a:rPr lang="en-US" smtClean="0"/>
+              <a:rPr lang="en-US"/>
               <a:t>Click to edit Master text styles</a:t>
             </a:r>
           </a:p>
@@ -2735,35 +2733,35 @@
           <a:p>
             <a:pPr lvl="0"/>
             <a:r>
-              <a:rPr lang="en-US" smtClean="0"/>
+              <a:rPr lang="en-US"/>
               <a:t>Click to edit Master text styles</a:t>
             </a:r>
           </a:p>
           <a:p>
             <a:pPr lvl="1"/>
             <a:r>
-              <a:rPr lang="en-US" smtClean="0"/>
+              <a:rPr lang="en-US"/>
               <a:t>Second level</a:t>
             </a:r>
           </a:p>
           <a:p>
             <a:pPr lvl="2"/>
             <a:r>
-              <a:rPr lang="en-US" smtClean="0"/>
+              <a:rPr lang="en-US"/>
               <a:t>Third level</a:t>
             </a:r>
           </a:p>
           <a:p>
             <a:pPr lvl="3"/>
             <a:r>
-              <a:rPr lang="en-US" smtClean="0"/>
+              <a:rPr lang="en-US"/>
               <a:t>Fourth level</a:t>
             </a:r>
           </a:p>
           <a:p>
             <a:pPr lvl="4"/>
             <a:r>
-              <a:rPr lang="en-US" smtClean="0"/>
+              <a:rPr lang="en-US"/>
               <a:t>Fifth level</a:t>
             </a:r>
             <a:endParaRPr lang="en-US" dirty="0"/>
@@ -2787,7 +2785,7 @@
           <a:p>
             <a:fld id="{5FDD63B2-E120-4ED8-B27B-C685F510A5FE}" type="datetimeFigureOut">
               <a:rPr lang="en-US" smtClean="0"/>
-              <a:t>2/24/20</a:t>
+              <a:t>2/25/2020</a:t>
             </a:fld>
             <a:endParaRPr lang="en-US" dirty="0"/>
           </a:p>
@@ -2852,7 +2850,7 @@
           <a:lstStyle/>
           <a:p>
             <a:r>
-              <a:rPr lang="en-US" smtClean="0"/>
+              <a:rPr lang="en-US"/>
               <a:t>Click to edit Master title style</a:t>
             </a:r>
             <a:endParaRPr lang="en-US" dirty="0"/>
@@ -2906,7 +2904,7 @@
           <a:p>
             <a:fld id="{7AA18ACC-A947-437B-A130-35BD54FDF1E9}" type="datetimeFigureOut">
               <a:rPr lang="en-US" smtClean="0"/>
-              <a:t>2/24/20</a:t>
+              <a:t>2/25/2020</a:t>
             </a:fld>
             <a:endParaRPr lang="en-US" dirty="0"/>
           </a:p>
@@ -2971,10 +2969,9 @@
           <a:lstStyle/>
           <a:p>
             <a:r>
-              <a:rPr lang="en-US" smtClean="0"/>
+              <a:rPr lang="en-US"/>
               <a:t>Click to edit Master title style</a:t>
             </a:r>
-            <a:endParaRPr lang="en-US"/>
           </a:p>
         </p:txBody>
       </p:sp>
@@ -3025,7 +3022,7 @@
           <a:p>
             <a:fld id="{7C8D7E02-BCB8-4D50-A234-369438C08659}" type="datetimeFigureOut">
               <a:rPr lang="en-US" smtClean="0"/>
-              <a:t>2/24/20</a:t>
+              <a:t>2/25/2020</a:t>
             </a:fld>
             <a:endParaRPr lang="en-US" dirty="0"/>
           </a:p>
@@ -3196,7 +3193,7 @@
           </a:lstStyle>
           <a:p>
             <a:r>
-              <a:rPr lang="en-US" smtClean="0"/>
+              <a:rPr lang="en-US"/>
               <a:t>Click to edit Master title style</a:t>
             </a:r>
             <a:endParaRPr lang="en-US" dirty="0"/>
@@ -3253,35 +3250,35 @@
           <a:p>
             <a:pPr lvl="0"/>
             <a:r>
-              <a:rPr lang="en-US" smtClean="0"/>
+              <a:rPr lang="en-US"/>
               <a:t>Click to edit Master text styles</a:t>
             </a:r>
           </a:p>
           <a:p>
             <a:pPr lvl="1"/>
             <a:r>
-              <a:rPr lang="en-US" smtClean="0"/>
+              <a:rPr lang="en-US"/>
               <a:t>Second level</a:t>
             </a:r>
           </a:p>
           <a:p>
             <a:pPr lvl="2"/>
             <a:r>
-              <a:rPr lang="en-US" smtClean="0"/>
+              <a:rPr lang="en-US"/>
               <a:t>Third level</a:t>
             </a:r>
           </a:p>
           <a:p>
             <a:pPr lvl="3"/>
             <a:r>
-              <a:rPr lang="en-US" smtClean="0"/>
+              <a:rPr lang="en-US"/>
               <a:t>Fourth level</a:t>
             </a:r>
           </a:p>
           <a:p>
             <a:pPr lvl="4"/>
             <a:r>
-              <a:rPr lang="en-US" smtClean="0"/>
+              <a:rPr lang="en-US"/>
               <a:t>Fifth level</a:t>
             </a:r>
             <a:endParaRPr lang="en-US" dirty="0"/>
@@ -3361,7 +3358,7 @@
           <a:p>
             <a:pPr lvl="0"/>
             <a:r>
-              <a:rPr lang="en-US" smtClean="0"/>
+              <a:rPr lang="en-US"/>
               <a:t>Click to edit Master text styles</a:t>
             </a:r>
           </a:p>
@@ -3384,7 +3381,7 @@
           <a:p>
             <a:fld id="{76E86A4C-8E40-4F87-A4F0-01A0687C5742}" type="datetimeFigureOut">
               <a:rPr lang="en-US" smtClean="0"/>
-              <a:t>2/24/20</a:t>
+              <a:t>2/25/2020</a:t>
             </a:fld>
             <a:endParaRPr lang="en-US" dirty="0"/>
           </a:p>
@@ -3718,7 +3715,7 @@
           </a:lstStyle>
           <a:p>
             <a:r>
-              <a:rPr lang="en-US" smtClean="0"/>
+              <a:rPr lang="en-US"/>
               <a:t>Click to edit Master title style</a:t>
             </a:r>
             <a:endParaRPr lang="en-US" dirty="0"/>
@@ -3789,7 +3786,7 @@
           </a:lstStyle>
           <a:p>
             <a:r>
-              <a:rPr lang="en-US" smtClean="0"/>
+              <a:rPr lang="en-US"/>
               <a:t>Drag picture to placeholder or click icon to add</a:t>
             </a:r>
             <a:endParaRPr lang="en-US" dirty="0"/>
@@ -3869,7 +3866,7 @@
           <a:p>
             <a:pPr lvl="0"/>
             <a:r>
-              <a:rPr lang="en-US" smtClean="0"/>
+              <a:rPr lang="en-US"/>
               <a:t>Click to edit Master text styles</a:t>
             </a:r>
           </a:p>
@@ -3892,7 +3889,7 @@
           <a:p>
             <a:fld id="{35E72C73-2D91-4E12-BA25-F0AA0C03599B}" type="datetimeFigureOut">
               <a:rPr lang="en-US" smtClean="0"/>
-              <a:t>2/24/20</a:t>
+              <a:t>2/25/2020</a:t>
             </a:fld>
             <a:endParaRPr lang="en-US" dirty="0"/>
           </a:p>
@@ -4146,7 +4143,7 @@
           <a:lstStyle/>
           <a:p>
             <a:r>
-              <a:rPr lang="en-US" smtClean="0"/>
+              <a:rPr lang="en-US"/>
               <a:t>Click to edit Master title style</a:t>
             </a:r>
             <a:endParaRPr lang="en-US" dirty="0"/>
@@ -4180,35 +4177,35 @@
           <a:p>
             <a:pPr lvl="0"/>
             <a:r>
-              <a:rPr lang="en-US" smtClean="0"/>
+              <a:rPr lang="en-US"/>
               <a:t>Click to edit Master text styles</a:t>
             </a:r>
           </a:p>
           <a:p>
             <a:pPr lvl="1"/>
             <a:r>
-              <a:rPr lang="en-US" smtClean="0"/>
+              <a:rPr lang="en-US"/>
               <a:t>Second level</a:t>
             </a:r>
           </a:p>
           <a:p>
             <a:pPr lvl="2"/>
             <a:r>
-              <a:rPr lang="en-US" smtClean="0"/>
+              <a:rPr lang="en-US"/>
               <a:t>Third level</a:t>
             </a:r>
           </a:p>
           <a:p>
             <a:pPr lvl="3"/>
             <a:r>
-              <a:rPr lang="en-US" smtClean="0"/>
+              <a:rPr lang="en-US"/>
               <a:t>Fourth level</a:t>
             </a:r>
           </a:p>
           <a:p>
             <a:pPr lvl="4"/>
             <a:r>
-              <a:rPr lang="en-US" smtClean="0"/>
+              <a:rPr lang="en-US"/>
               <a:t>Fifth level</a:t>
             </a:r>
             <a:endParaRPr lang="en-US" dirty="0"/>
@@ -4248,7 +4245,7 @@
           <a:p>
             <a:fld id="{2BE451C3-0FF4-47C4-B829-773ADF60F88C}" type="datetimeFigureOut">
               <a:rPr lang="en-US" smtClean="0"/>
-              <a:t>2/24/20</a:t>
+              <a:t>2/25/2020</a:t>
             </a:fld>
             <a:endParaRPr lang="en-US" dirty="0"/>
           </a:p>
@@ -4916,10 +4913,9 @@
           <a:lstStyle/>
           <a:p>
             <a:r>
-              <a:rPr lang="en-US" dirty="0" smtClean="0"/>
+              <a:rPr lang="en-US" dirty="0"/>
               <a:t>REDUX SAGA CRUD GENERATOR</a:t>
             </a:r>
-            <a:endParaRPr lang="en-US" dirty="0"/>
           </a:p>
         </p:txBody>
       </p:sp>
@@ -4939,14 +4935,13 @@
           <a:lstStyle/>
           <a:p>
             <a:r>
-              <a:rPr lang="en-US" dirty="0" smtClean="0"/>
+              <a:rPr lang="en-US" dirty="0"/>
               <a:t>Author</a:t>
             </a:r>
             <a:r>
-              <a:rPr lang="en-US" smtClean="0"/>
+              <a:rPr lang="en-US"/>
               <a:t>: KHẢI TRƯƠNG</a:t>
             </a:r>
-            <a:endParaRPr lang="en-US"/>
           </a:p>
         </p:txBody>
       </p:sp>
@@ -4960,13 +4955,6 @@
   <p:clrMapOvr>
     <a:masterClrMapping/>
   </p:clrMapOvr>
-  <p:timing>
-    <p:tnLst>
-      <p:par>
-        <p:cTn id="1" dur="indefinite" restart="never" nodeType="tmRoot"/>
-      </p:par>
-    </p:tnLst>
-  </p:timing>
 </p:sld>
 </file>
 
@@ -4987,44 +4975,36 @@
           <a:chExt cx="0" cy="0"/>
         </a:xfrm>
       </p:grpSpPr>
-      <p:sp>
-        <p:nvSpPr>
-          <p:cNvPr id="2" name="Title 1"/>
-          <p:cNvSpPr>
-            <a:spLocks noGrp="1"/>
-          </p:cNvSpPr>
-          <p:nvPr>
-            <p:ph type="title"/>
-          </p:nvPr>
-        </p:nvSpPr>
-        <p:spPr/>
-        <p:txBody>
-          <a:bodyPr/>
-          <a:lstStyle/>
-          <a:p>
-            <a:endParaRPr lang="en-US"/>
-          </a:p>
-        </p:txBody>
-      </p:sp>
-      <p:sp>
-        <p:nvSpPr>
-          <p:cNvPr id="3" name="Content Placeholder 2"/>
-          <p:cNvSpPr>
-            <a:spLocks noGrp="1"/>
-          </p:cNvSpPr>
-          <p:nvPr>
-            <p:ph idx="1"/>
-          </p:nvPr>
-        </p:nvSpPr>
-        <p:spPr/>
-        <p:txBody>
-          <a:bodyPr/>
-          <a:lstStyle/>
-          <a:p>
-            <a:endParaRPr lang="en-US"/>
-          </a:p>
-        </p:txBody>
-      </p:sp>
+      <p:pic>
+        <p:nvPicPr>
+          <p:cNvPr id="4" name="Picture 3">
+            <a:extLst>
+              <a:ext uri="{FF2B5EF4-FFF2-40B4-BE49-F238E27FC236}">
+                <a16:creationId xmlns:a16="http://schemas.microsoft.com/office/drawing/2014/main" id="{D4F85041-8893-4737-809C-5BCC65D4DBC2}"/>
+              </a:ext>
+            </a:extLst>
+          </p:cNvPr>
+          <p:cNvPicPr>
+            <a:picLocks noChangeAspect="1"/>
+          </p:cNvPicPr>
+          <p:nvPr/>
+        </p:nvPicPr>
+        <p:blipFill>
+          <a:blip r:embed="rId2"/>
+          <a:stretch>
+            <a:fillRect/>
+          </a:stretch>
+        </p:blipFill>
+        <p:spPr>
+          <a:xfrm>
+            <a:off x="0" y="0"/>
+            <a:ext cx="13716000" cy="6858000"/>
+          </a:xfrm>
+          <a:prstGeom prst="rect">
+            <a:avLst/>
+          </a:prstGeom>
+        </p:spPr>
+      </p:pic>
     </p:spTree>
     <p:extLst>
       <p:ext uri="{BB962C8B-B14F-4D97-AF65-F5344CB8AC3E}">
@@ -5055,320 +5035,39 @@
           <a:chExt cx="0" cy="0"/>
         </a:xfrm>
       </p:grpSpPr>
-      <p:sp>
-        <p:nvSpPr>
-          <p:cNvPr id="2" name="Title 1"/>
-          <p:cNvSpPr>
-            <a:spLocks noGrp="1"/>
-          </p:cNvSpPr>
-          <p:nvPr>
-            <p:ph type="title"/>
-          </p:nvPr>
-        </p:nvSpPr>
-        <p:spPr/>
-        <p:txBody>
-          <a:bodyPr/>
-          <a:lstStyle/>
-          <a:p>
-            <a:endParaRPr lang="en-US"/>
-          </a:p>
-        </p:txBody>
-      </p:sp>
-      <p:sp>
-        <p:nvSpPr>
-          <p:cNvPr id="3" name="Content Placeholder 2"/>
-          <p:cNvSpPr>
-            <a:spLocks noGrp="1"/>
-          </p:cNvSpPr>
-          <p:nvPr>
-            <p:ph idx="1"/>
-          </p:nvPr>
-        </p:nvSpPr>
-        <p:spPr/>
-        <p:txBody>
-          <a:bodyPr/>
-          <a:lstStyle/>
-          <a:p>
-            <a:endParaRPr lang="en-US"/>
-          </a:p>
-        </p:txBody>
-      </p:sp>
+      <p:pic>
+        <p:nvPicPr>
+          <p:cNvPr id="4" name="Picture 3">
+            <a:extLst>
+              <a:ext uri="{FF2B5EF4-FFF2-40B4-BE49-F238E27FC236}">
+                <a16:creationId xmlns:a16="http://schemas.microsoft.com/office/drawing/2014/main" id="{ED8BC9CB-6725-4015-ADFA-6A1D1302B659}"/>
+              </a:ext>
+            </a:extLst>
+          </p:cNvPr>
+          <p:cNvPicPr>
+            <a:picLocks noChangeAspect="1"/>
+          </p:cNvPicPr>
+          <p:nvPr/>
+        </p:nvPicPr>
+        <p:blipFill rotWithShape="1">
+          <a:blip r:embed="rId2"/>
+          <a:srcRect b="3277"/>
+          <a:stretch/>
+        </p:blipFill>
+        <p:spPr>
+          <a:xfrm>
+            <a:off x="0" y="0"/>
+            <a:ext cx="12242366" cy="6858000"/>
+          </a:xfrm>
+          <a:prstGeom prst="rect">
+            <a:avLst/>
+          </a:prstGeom>
+        </p:spPr>
+      </p:pic>
     </p:spTree>
     <p:extLst>
       <p:ext uri="{BB962C8B-B14F-4D97-AF65-F5344CB8AC3E}">
         <p14:creationId xmlns:p14="http://schemas.microsoft.com/office/powerpoint/2010/main" val="1719186680"/>
-      </p:ext>
-    </p:extLst>
-  </p:cSld>
-  <p:clrMapOvr>
-    <a:masterClrMapping/>
-  </p:clrMapOvr>
-</p:sld>
-</file>
-
-<file path=ppt/slides/slide12.xml><?xml version="1.0" encoding="utf-8"?>
-<p:sld xmlns:a="http://schemas.openxmlformats.org/drawingml/2006/main" xmlns:r="http://schemas.openxmlformats.org/officeDocument/2006/relationships" xmlns:p="http://schemas.openxmlformats.org/presentationml/2006/main">
-  <p:cSld>
-    <p:spTree>
-      <p:nvGrpSpPr>
-        <p:cNvPr id="1" name=""/>
-        <p:cNvGrpSpPr/>
-        <p:nvPr/>
-      </p:nvGrpSpPr>
-      <p:grpSpPr>
-        <a:xfrm>
-          <a:off x="0" y="0"/>
-          <a:ext cx="0" cy="0"/>
-          <a:chOff x="0" y="0"/>
-          <a:chExt cx="0" cy="0"/>
-        </a:xfrm>
-      </p:grpSpPr>
-      <p:sp>
-        <p:nvSpPr>
-          <p:cNvPr id="2" name="Title 1"/>
-          <p:cNvSpPr>
-            <a:spLocks noGrp="1"/>
-          </p:cNvSpPr>
-          <p:nvPr>
-            <p:ph type="title"/>
-          </p:nvPr>
-        </p:nvSpPr>
-        <p:spPr/>
-        <p:txBody>
-          <a:bodyPr/>
-          <a:lstStyle/>
-          <a:p>
-            <a:endParaRPr lang="en-US"/>
-          </a:p>
-        </p:txBody>
-      </p:sp>
-      <p:sp>
-        <p:nvSpPr>
-          <p:cNvPr id="3" name="Content Placeholder 2"/>
-          <p:cNvSpPr>
-            <a:spLocks noGrp="1"/>
-          </p:cNvSpPr>
-          <p:nvPr>
-            <p:ph idx="1"/>
-          </p:nvPr>
-        </p:nvSpPr>
-        <p:spPr/>
-        <p:txBody>
-          <a:bodyPr/>
-          <a:lstStyle/>
-          <a:p>
-            <a:endParaRPr lang="en-US"/>
-          </a:p>
-        </p:txBody>
-      </p:sp>
-    </p:spTree>
-    <p:extLst>
-      <p:ext uri="{BB962C8B-B14F-4D97-AF65-F5344CB8AC3E}">
-        <p14:creationId xmlns:p14="http://schemas.microsoft.com/office/powerpoint/2010/main" val="29653391"/>
-      </p:ext>
-    </p:extLst>
-  </p:cSld>
-  <p:clrMapOvr>
-    <a:masterClrMapping/>
-  </p:clrMapOvr>
-</p:sld>
-</file>
-
-<file path=ppt/slides/slide13.xml><?xml version="1.0" encoding="utf-8"?>
-<p:sld xmlns:a="http://schemas.openxmlformats.org/drawingml/2006/main" xmlns:r="http://schemas.openxmlformats.org/officeDocument/2006/relationships" xmlns:p="http://schemas.openxmlformats.org/presentationml/2006/main">
-  <p:cSld>
-    <p:spTree>
-      <p:nvGrpSpPr>
-        <p:cNvPr id="1" name=""/>
-        <p:cNvGrpSpPr/>
-        <p:nvPr/>
-      </p:nvGrpSpPr>
-      <p:grpSpPr>
-        <a:xfrm>
-          <a:off x="0" y="0"/>
-          <a:ext cx="0" cy="0"/>
-          <a:chOff x="0" y="0"/>
-          <a:chExt cx="0" cy="0"/>
-        </a:xfrm>
-      </p:grpSpPr>
-      <p:sp>
-        <p:nvSpPr>
-          <p:cNvPr id="2" name="Title 1"/>
-          <p:cNvSpPr>
-            <a:spLocks noGrp="1"/>
-          </p:cNvSpPr>
-          <p:nvPr>
-            <p:ph type="title"/>
-          </p:nvPr>
-        </p:nvSpPr>
-        <p:spPr/>
-        <p:txBody>
-          <a:bodyPr/>
-          <a:lstStyle/>
-          <a:p>
-            <a:endParaRPr lang="en-US"/>
-          </a:p>
-        </p:txBody>
-      </p:sp>
-      <p:sp>
-        <p:nvSpPr>
-          <p:cNvPr id="3" name="Content Placeholder 2"/>
-          <p:cNvSpPr>
-            <a:spLocks noGrp="1"/>
-          </p:cNvSpPr>
-          <p:nvPr>
-            <p:ph idx="1"/>
-          </p:nvPr>
-        </p:nvSpPr>
-        <p:spPr/>
-        <p:txBody>
-          <a:bodyPr/>
-          <a:lstStyle/>
-          <a:p>
-            <a:endParaRPr lang="en-US"/>
-          </a:p>
-        </p:txBody>
-      </p:sp>
-    </p:spTree>
-    <p:extLst>
-      <p:ext uri="{BB962C8B-B14F-4D97-AF65-F5344CB8AC3E}">
-        <p14:creationId xmlns:p14="http://schemas.microsoft.com/office/powerpoint/2010/main" val="18128442"/>
-      </p:ext>
-    </p:extLst>
-  </p:cSld>
-  <p:clrMapOvr>
-    <a:masterClrMapping/>
-  </p:clrMapOvr>
-</p:sld>
-</file>
-
-<file path=ppt/slides/slide14.xml><?xml version="1.0" encoding="utf-8"?>
-<p:sld xmlns:a="http://schemas.openxmlformats.org/drawingml/2006/main" xmlns:r="http://schemas.openxmlformats.org/officeDocument/2006/relationships" xmlns:p="http://schemas.openxmlformats.org/presentationml/2006/main">
-  <p:cSld>
-    <p:spTree>
-      <p:nvGrpSpPr>
-        <p:cNvPr id="1" name=""/>
-        <p:cNvGrpSpPr/>
-        <p:nvPr/>
-      </p:nvGrpSpPr>
-      <p:grpSpPr>
-        <a:xfrm>
-          <a:off x="0" y="0"/>
-          <a:ext cx="0" cy="0"/>
-          <a:chOff x="0" y="0"/>
-          <a:chExt cx="0" cy="0"/>
-        </a:xfrm>
-      </p:grpSpPr>
-      <p:sp>
-        <p:nvSpPr>
-          <p:cNvPr id="2" name="Title 1"/>
-          <p:cNvSpPr>
-            <a:spLocks noGrp="1"/>
-          </p:cNvSpPr>
-          <p:nvPr>
-            <p:ph type="title"/>
-          </p:nvPr>
-        </p:nvSpPr>
-        <p:spPr/>
-        <p:txBody>
-          <a:bodyPr/>
-          <a:lstStyle/>
-          <a:p>
-            <a:endParaRPr lang="en-US"/>
-          </a:p>
-        </p:txBody>
-      </p:sp>
-      <p:sp>
-        <p:nvSpPr>
-          <p:cNvPr id="3" name="Content Placeholder 2"/>
-          <p:cNvSpPr>
-            <a:spLocks noGrp="1"/>
-          </p:cNvSpPr>
-          <p:nvPr>
-            <p:ph idx="1"/>
-          </p:nvPr>
-        </p:nvSpPr>
-        <p:spPr/>
-        <p:txBody>
-          <a:bodyPr/>
-          <a:lstStyle/>
-          <a:p>
-            <a:endParaRPr lang="en-US"/>
-          </a:p>
-        </p:txBody>
-      </p:sp>
-    </p:spTree>
-    <p:extLst>
-      <p:ext uri="{BB962C8B-B14F-4D97-AF65-F5344CB8AC3E}">
-        <p14:creationId xmlns:p14="http://schemas.microsoft.com/office/powerpoint/2010/main" val="75247914"/>
-      </p:ext>
-    </p:extLst>
-  </p:cSld>
-  <p:clrMapOvr>
-    <a:masterClrMapping/>
-  </p:clrMapOvr>
-</p:sld>
-</file>
-
-<file path=ppt/slides/slide15.xml><?xml version="1.0" encoding="utf-8"?>
-<p:sld xmlns:a="http://schemas.openxmlformats.org/drawingml/2006/main" xmlns:r="http://schemas.openxmlformats.org/officeDocument/2006/relationships" xmlns:p="http://schemas.openxmlformats.org/presentationml/2006/main">
-  <p:cSld>
-    <p:spTree>
-      <p:nvGrpSpPr>
-        <p:cNvPr id="1" name=""/>
-        <p:cNvGrpSpPr/>
-        <p:nvPr/>
-      </p:nvGrpSpPr>
-      <p:grpSpPr>
-        <a:xfrm>
-          <a:off x="0" y="0"/>
-          <a:ext cx="0" cy="0"/>
-          <a:chOff x="0" y="0"/>
-          <a:chExt cx="0" cy="0"/>
-        </a:xfrm>
-      </p:grpSpPr>
-      <p:sp>
-        <p:nvSpPr>
-          <p:cNvPr id="2" name="Title 1"/>
-          <p:cNvSpPr>
-            <a:spLocks noGrp="1"/>
-          </p:cNvSpPr>
-          <p:nvPr>
-            <p:ph type="title"/>
-          </p:nvPr>
-        </p:nvSpPr>
-        <p:spPr/>
-        <p:txBody>
-          <a:bodyPr/>
-          <a:lstStyle/>
-          <a:p>
-            <a:endParaRPr lang="en-US"/>
-          </a:p>
-        </p:txBody>
-      </p:sp>
-      <p:sp>
-        <p:nvSpPr>
-          <p:cNvPr id="3" name="Content Placeholder 2"/>
-          <p:cNvSpPr>
-            <a:spLocks noGrp="1"/>
-          </p:cNvSpPr>
-          <p:nvPr>
-            <p:ph idx="1"/>
-          </p:nvPr>
-        </p:nvSpPr>
-        <p:spPr/>
-        <p:txBody>
-          <a:bodyPr/>
-          <a:lstStyle/>
-          <a:p>
-            <a:endParaRPr lang="en-US"/>
-          </a:p>
-        </p:txBody>
-      </p:sp>
-    </p:spTree>
-    <p:extLst>
-      <p:ext uri="{BB962C8B-B14F-4D97-AF65-F5344CB8AC3E}">
-        <p14:creationId xmlns:p14="http://schemas.microsoft.com/office/powerpoint/2010/main" val="595201414"/>
       </p:ext>
     </p:extLst>
   </p:cSld>
@@ -5411,10 +5110,9 @@
           <a:lstStyle/>
           <a:p>
             <a:r>
-              <a:rPr lang="en-US" dirty="0" smtClean="0"/>
+              <a:rPr lang="en-US" dirty="0"/>
               <a:t>Share What?</a:t>
             </a:r>
-            <a:endParaRPr lang="en-US" dirty="0"/>
           </a:p>
         </p:txBody>
       </p:sp>
@@ -5434,22 +5132,21 @@
           <a:lstStyle/>
           <a:p>
             <a:r>
-              <a:rPr lang="en-US" dirty="0" smtClean="0"/>
+              <a:rPr lang="en-US" dirty="0"/>
               <a:t>A problem in coding</a:t>
             </a:r>
           </a:p>
           <a:p>
             <a:r>
-              <a:rPr lang="en-US" dirty="0" smtClean="0"/>
+              <a:rPr lang="en-US" dirty="0"/>
               <a:t>How to solve it?</a:t>
             </a:r>
           </a:p>
           <a:p>
             <a:r>
-              <a:rPr lang="en-US" dirty="0" smtClean="0"/>
+              <a:rPr lang="en-US" dirty="0"/>
               <a:t>Results in two weeks</a:t>
             </a:r>
-            <a:endParaRPr lang="en-US" dirty="0"/>
           </a:p>
         </p:txBody>
       </p:sp>
@@ -5463,13 +5160,6 @@
   <p:clrMapOvr>
     <a:masterClrMapping/>
   </p:clrMapOvr>
-  <p:timing>
-    <p:tnLst>
-      <p:par>
-        <p:cTn id="1" dur="indefinite" restart="never" nodeType="tmRoot"/>
-      </p:par>
-    </p:tnLst>
-  </p:timing>
 </p:sld>
 </file>
 
@@ -5590,13 +5280,6 @@
   <p:clrMapOvr>
     <a:masterClrMapping/>
   </p:clrMapOvr>
-  <p:timing>
-    <p:tnLst>
-      <p:par>
-        <p:cTn id="1" dur="indefinite" restart="never" nodeType="tmRoot"/>
-      </p:par>
-    </p:tnLst>
-  </p:timing>
 </p:sld>
 </file>
 
@@ -5682,17 +5365,16 @@
           <a:p>
             <a:pPr algn="ctr"/>
             <a:r>
-              <a:rPr lang="en-US" sz="2400" dirty="0" smtClean="0"/>
+              <a:rPr lang="en-US" sz="2400" dirty="0"/>
               <a:t>WHAT IF I TOLD YOU</a:t>
             </a:r>
           </a:p>
           <a:p>
             <a:pPr algn="ctr"/>
             <a:r>
-              <a:rPr lang="en-US" sz="2400" dirty="0" smtClean="0"/>
+              <a:rPr lang="en-US" sz="2400" dirty="0"/>
               <a:t>CODE CAN GENERATE NEW CODE</a:t>
             </a:r>
-            <a:endParaRPr lang="en-US" sz="2400" dirty="0"/>
           </a:p>
         </p:txBody>
       </p:sp>
@@ -5706,13 +5388,6 @@
   <p:clrMapOvr>
     <a:masterClrMapping/>
   </p:clrMapOvr>
-  <p:timing>
-    <p:tnLst>
-      <p:par>
-        <p:cTn id="1" dur="indefinite" restart="never" nodeType="tmRoot"/>
-      </p:par>
-    </p:tnLst>
-  </p:timing>
 </p:sld>
 </file>
 
@@ -5749,13 +5424,337 @@
           <a:lstStyle/>
           <a:p>
             <a:r>
-              <a:rPr lang="en-US" dirty="0" smtClean="0"/>
-              <a:t>How?</a:t>
-            </a:r>
-            <a:endParaRPr lang="en-US" dirty="0"/>
-          </a:p>
-        </p:txBody>
-      </p:sp>
+              <a:rPr lang="en-US" dirty="0"/>
+              <a:t>THINK FOR A MINUTE</a:t>
+            </a:r>
+          </a:p>
+        </p:txBody>
+      </p:sp>
+      <p:grpSp>
+        <p:nvGrpSpPr>
+          <p:cNvPr id="12" name="Group 11">
+            <a:extLst>
+              <a:ext uri="{FF2B5EF4-FFF2-40B4-BE49-F238E27FC236}">
+                <a16:creationId xmlns:a16="http://schemas.microsoft.com/office/drawing/2014/main" id="{762F0FE7-7E53-44EF-8084-8835ED1EB088}"/>
+              </a:ext>
+            </a:extLst>
+          </p:cNvPr>
+          <p:cNvGrpSpPr/>
+          <p:nvPr/>
+        </p:nvGrpSpPr>
+        <p:grpSpPr>
+          <a:xfrm>
+            <a:off x="1161406" y="1737601"/>
+            <a:ext cx="7016104" cy="3036396"/>
+            <a:chOff x="1063752" y="2032754"/>
+            <a:chExt cx="7016104" cy="3036396"/>
+          </a:xfrm>
+        </p:grpSpPr>
+        <p:grpSp>
+          <p:nvGrpSpPr>
+            <p:cNvPr id="8" name="Group 7">
+              <a:extLst>
+                <a:ext uri="{FF2B5EF4-FFF2-40B4-BE49-F238E27FC236}">
+                  <a16:creationId xmlns:a16="http://schemas.microsoft.com/office/drawing/2014/main" id="{7D94CAE6-5F0F-4E5C-877F-E7C3620B14DD}"/>
+                </a:ext>
+              </a:extLst>
+            </p:cNvPr>
+            <p:cNvGrpSpPr/>
+            <p:nvPr/>
+          </p:nvGrpSpPr>
+          <p:grpSpPr>
+            <a:xfrm>
+              <a:off x="1063752" y="2032754"/>
+              <a:ext cx="7016104" cy="1935768"/>
+              <a:chOff x="3173920" y="1703171"/>
+              <a:chExt cx="7016104" cy="1935768"/>
+            </a:xfrm>
+          </p:grpSpPr>
+          <p:pic>
+            <p:nvPicPr>
+              <p:cNvPr id="3" name="Picture 2">
+                <a:extLst>
+                  <a:ext uri="{FF2B5EF4-FFF2-40B4-BE49-F238E27FC236}">
+                    <a16:creationId xmlns:a16="http://schemas.microsoft.com/office/drawing/2014/main" id="{AEFF037B-16D1-4F96-B30F-45FF34329A14}"/>
+                  </a:ext>
+                </a:extLst>
+              </p:cNvPr>
+              <p:cNvPicPr>
+                <a:picLocks noChangeAspect="1"/>
+              </p:cNvPicPr>
+              <p:nvPr/>
+            </p:nvPicPr>
+            <p:blipFill rotWithShape="1">
+              <a:blip r:embed="rId2">
+                <a:extLst>
+                  <a:ext uri="{28A0092B-C50C-407E-A947-70E740481C1C}">
+                    <a14:useLocalDpi xmlns:a14="http://schemas.microsoft.com/office/drawing/2010/main" val="0"/>
+                  </a:ext>
+                </a:extLst>
+              </a:blip>
+              <a:srcRect b="73998"/>
+              <a:stretch/>
+            </p:blipFill>
+            <p:spPr>
+              <a:xfrm>
+                <a:off x="3173920" y="1703171"/>
+                <a:ext cx="7016104" cy="1935768"/>
+              </a:xfrm>
+              <a:prstGeom prst="rect">
+                <a:avLst/>
+              </a:prstGeom>
+            </p:spPr>
+          </p:pic>
+          <p:sp>
+            <p:nvSpPr>
+              <p:cNvPr id="4" name="Rectangle 3">
+                <a:extLst>
+                  <a:ext uri="{FF2B5EF4-FFF2-40B4-BE49-F238E27FC236}">
+                    <a16:creationId xmlns:a16="http://schemas.microsoft.com/office/drawing/2014/main" id="{42C9A2B5-1135-4165-A92B-D0B2952D1A16}"/>
+                  </a:ext>
+                </a:extLst>
+              </p:cNvPr>
+              <p:cNvSpPr/>
+              <p:nvPr/>
+            </p:nvSpPr>
+            <p:spPr>
+              <a:xfrm>
+                <a:off x="4873841" y="1782147"/>
+                <a:ext cx="631220" cy="391886"/>
+              </a:xfrm>
+              <a:prstGeom prst="rect">
+                <a:avLst/>
+              </a:prstGeom>
+              <a:noFill/>
+            </p:spPr>
+            <p:style>
+              <a:lnRef idx="2">
+                <a:schemeClr val="accent1">
+                  <a:shade val="50000"/>
+                </a:schemeClr>
+              </a:lnRef>
+              <a:fillRef idx="1">
+                <a:schemeClr val="accent1"/>
+              </a:fillRef>
+              <a:effectRef idx="0">
+                <a:schemeClr val="accent1"/>
+              </a:effectRef>
+              <a:fontRef idx="minor">
+                <a:schemeClr val="lt1"/>
+              </a:fontRef>
+            </p:style>
+            <p:txBody>
+              <a:bodyPr rtlCol="0" anchor="ctr"/>
+              <a:lstStyle/>
+              <a:p>
+                <a:pPr algn="ctr"/>
+                <a:endParaRPr lang="en-US"/>
+              </a:p>
+            </p:txBody>
+          </p:sp>
+          <p:pic>
+            <p:nvPicPr>
+              <p:cNvPr id="5" name="Picture 4">
+                <a:extLst>
+                  <a:ext uri="{FF2B5EF4-FFF2-40B4-BE49-F238E27FC236}">
+                    <a16:creationId xmlns:a16="http://schemas.microsoft.com/office/drawing/2014/main" id="{46C0AC78-E947-45E2-9CF6-DD8110E5E236}"/>
+                  </a:ext>
+                </a:extLst>
+              </p:cNvPr>
+              <p:cNvPicPr>
+                <a:picLocks noChangeAspect="1"/>
+              </p:cNvPicPr>
+              <p:nvPr/>
+            </p:nvPicPr>
+            <p:blipFill>
+              <a:blip r:embed="rId3"/>
+              <a:stretch>
+                <a:fillRect/>
+              </a:stretch>
+            </p:blipFill>
+            <p:spPr>
+              <a:xfrm>
+                <a:off x="7136147" y="2174033"/>
+                <a:ext cx="1115665" cy="408467"/>
+              </a:xfrm>
+              <a:prstGeom prst="rect">
+                <a:avLst/>
+              </a:prstGeom>
+            </p:spPr>
+          </p:pic>
+          <p:pic>
+            <p:nvPicPr>
+              <p:cNvPr id="6" name="Picture 5">
+                <a:extLst>
+                  <a:ext uri="{FF2B5EF4-FFF2-40B4-BE49-F238E27FC236}">
+                    <a16:creationId xmlns:a16="http://schemas.microsoft.com/office/drawing/2014/main" id="{29CB73F4-70EB-4117-80E4-D91FC2892966}"/>
+                  </a:ext>
+                </a:extLst>
+              </p:cNvPr>
+              <p:cNvPicPr>
+                <a:picLocks noChangeAspect="1"/>
+              </p:cNvPicPr>
+              <p:nvPr/>
+            </p:nvPicPr>
+            <p:blipFill>
+              <a:blip r:embed="rId3"/>
+              <a:stretch>
+                <a:fillRect/>
+              </a:stretch>
+            </p:blipFill>
+            <p:spPr>
+              <a:xfrm>
+                <a:off x="5930283" y="2622195"/>
+                <a:ext cx="599262" cy="289681"/>
+              </a:xfrm>
+              <a:prstGeom prst="rect">
+                <a:avLst/>
+              </a:prstGeom>
+            </p:spPr>
+          </p:pic>
+          <p:pic>
+            <p:nvPicPr>
+              <p:cNvPr id="7" name="Picture 6">
+                <a:extLst>
+                  <a:ext uri="{FF2B5EF4-FFF2-40B4-BE49-F238E27FC236}">
+                    <a16:creationId xmlns:a16="http://schemas.microsoft.com/office/drawing/2014/main" id="{F5BBE788-14B8-4073-9474-D6262DF6F971}"/>
+                  </a:ext>
+                </a:extLst>
+              </p:cNvPr>
+              <p:cNvPicPr>
+                <a:picLocks noChangeAspect="1"/>
+              </p:cNvPicPr>
+              <p:nvPr/>
+            </p:nvPicPr>
+            <p:blipFill>
+              <a:blip r:embed="rId3"/>
+              <a:stretch>
+                <a:fillRect/>
+              </a:stretch>
+            </p:blipFill>
+            <p:spPr>
+              <a:xfrm>
+                <a:off x="5930282" y="3000638"/>
+                <a:ext cx="599262" cy="289681"/>
+              </a:xfrm>
+              <a:prstGeom prst="rect">
+                <a:avLst/>
+              </a:prstGeom>
+            </p:spPr>
+          </p:pic>
+        </p:grpSp>
+        <p:sp>
+          <p:nvSpPr>
+            <p:cNvPr id="10" name="Arrow: Down 9">
+              <a:extLst>
+                <a:ext uri="{FF2B5EF4-FFF2-40B4-BE49-F238E27FC236}">
+                  <a16:creationId xmlns:a16="http://schemas.microsoft.com/office/drawing/2014/main" id="{6F969E10-8A93-4CCC-8789-41E872C089D6}"/>
+                </a:ext>
+              </a:extLst>
+            </p:cNvPr>
+            <p:cNvSpPr/>
+            <p:nvPr/>
+          </p:nvSpPr>
+          <p:spPr>
+            <a:xfrm>
+              <a:off x="3701988" y="4065973"/>
+              <a:ext cx="717389" cy="1003177"/>
+            </a:xfrm>
+            <a:prstGeom prst="downArrow">
+              <a:avLst/>
+            </a:prstGeom>
+          </p:spPr>
+          <p:style>
+            <a:lnRef idx="2">
+              <a:schemeClr val="accent1">
+                <a:shade val="50000"/>
+              </a:schemeClr>
+            </a:lnRef>
+            <a:fillRef idx="1">
+              <a:schemeClr val="accent1"/>
+            </a:fillRef>
+            <a:effectRef idx="0">
+              <a:schemeClr val="accent1"/>
+            </a:effectRef>
+            <a:fontRef idx="minor">
+              <a:schemeClr val="lt1"/>
+            </a:fontRef>
+          </p:style>
+          <p:txBody>
+            <a:bodyPr rtlCol="0" anchor="ctr"/>
+            <a:lstStyle/>
+            <a:p>
+              <a:pPr algn="ctr"/>
+              <a:endParaRPr lang="en-US"/>
+            </a:p>
+          </p:txBody>
+        </p:sp>
+        <p:sp>
+          <p:nvSpPr>
+            <p:cNvPr id="11" name="TextBox 10">
+              <a:extLst>
+                <a:ext uri="{FF2B5EF4-FFF2-40B4-BE49-F238E27FC236}">
+                  <a16:creationId xmlns:a16="http://schemas.microsoft.com/office/drawing/2014/main" id="{0610DAF3-B5FB-4973-BF2A-BDCD342F2B9C}"/>
+                </a:ext>
+              </a:extLst>
+            </p:cNvPr>
+            <p:cNvSpPr txBox="1"/>
+            <p:nvPr/>
+          </p:nvSpPr>
+          <p:spPr>
+            <a:xfrm>
+              <a:off x="4527612" y="4145820"/>
+              <a:ext cx="2441359" cy="923330"/>
+            </a:xfrm>
+            <a:prstGeom prst="rect">
+              <a:avLst/>
+            </a:prstGeom>
+            <a:noFill/>
+          </p:spPr>
+          <p:txBody>
+            <a:bodyPr wrap="square" rtlCol="0">
+              <a:spAutoFit/>
+            </a:bodyPr>
+            <a:lstStyle/>
+            <a:p>
+              <a:r>
+                <a:rPr lang="en-US" dirty="0"/>
+                <a:t>Replace Employee by another entity name</a:t>
+              </a:r>
+            </a:p>
+          </p:txBody>
+        </p:sp>
+      </p:grpSp>
+      <p:pic>
+        <p:nvPicPr>
+          <p:cNvPr id="13" name="Picture 12">
+            <a:extLst>
+              <a:ext uri="{FF2B5EF4-FFF2-40B4-BE49-F238E27FC236}">
+                <a16:creationId xmlns:a16="http://schemas.microsoft.com/office/drawing/2014/main" id="{5FC44663-0C49-40CF-91A4-3B2D6BF649E0}"/>
+              </a:ext>
+            </a:extLst>
+          </p:cNvPr>
+          <p:cNvPicPr>
+            <a:picLocks noChangeAspect="1"/>
+          </p:cNvPicPr>
+          <p:nvPr/>
+        </p:nvPicPr>
+        <p:blipFill>
+          <a:blip r:embed="rId4"/>
+          <a:stretch>
+            <a:fillRect/>
+          </a:stretch>
+        </p:blipFill>
+        <p:spPr>
+          <a:xfrm>
+            <a:off x="1730967" y="4871448"/>
+            <a:ext cx="5572125" cy="1752600"/>
+          </a:xfrm>
+          <a:prstGeom prst="rect">
+            <a:avLst/>
+          </a:prstGeom>
+        </p:spPr>
+      </p:pic>
     </p:spTree>
     <p:extLst>
       <p:ext uri="{BB962C8B-B14F-4D97-AF65-F5344CB8AC3E}">
@@ -5766,13 +5765,6 @@
   <p:clrMapOvr>
     <a:masterClrMapping/>
   </p:clrMapOvr>
-  <p:timing>
-    <p:tnLst>
-      <p:par>
-        <p:cTn id="1" dur="indefinite" restart="never" nodeType="tmRoot"/>
-      </p:par>
-    </p:tnLst>
-  </p:timing>
 </p:sld>
 </file>
 
@@ -5808,26 +5800,502 @@
           <a:bodyPr/>
           <a:lstStyle/>
           <a:p>
+            <a:r>
+              <a:rPr lang="en-US" dirty="0"/>
+              <a:t>HIGH level design</a:t>
+            </a:r>
+          </a:p>
+        </p:txBody>
+      </p:sp>
+      <p:grpSp>
+        <p:nvGrpSpPr>
+          <p:cNvPr id="15" name="Group 14">
+            <a:extLst>
+              <a:ext uri="{FF2B5EF4-FFF2-40B4-BE49-F238E27FC236}">
+                <a16:creationId xmlns:a16="http://schemas.microsoft.com/office/drawing/2014/main" id="{1E98E10D-B4B5-4B48-B1D9-F4AC3A86F478}"/>
+              </a:ext>
+            </a:extLst>
+          </p:cNvPr>
+          <p:cNvGrpSpPr/>
+          <p:nvPr/>
+        </p:nvGrpSpPr>
+        <p:grpSpPr>
+          <a:xfrm>
+            <a:off x="3642635" y="2358642"/>
+            <a:ext cx="8296106" cy="1893584"/>
+            <a:chOff x="2847747" y="2404362"/>
+            <a:chExt cx="8296106" cy="1893584"/>
+          </a:xfrm>
+        </p:grpSpPr>
+        <p:sp>
+          <p:nvSpPr>
+            <p:cNvPr id="4" name="Flowchart: Multidocument 3">
+              <a:extLst>
+                <a:ext uri="{FF2B5EF4-FFF2-40B4-BE49-F238E27FC236}">
+                  <a16:creationId xmlns:a16="http://schemas.microsoft.com/office/drawing/2014/main" id="{3D8491BD-2AB8-4F99-863C-578778ECB49D}"/>
+                </a:ext>
+              </a:extLst>
+            </p:cNvPr>
+            <p:cNvSpPr/>
+            <p:nvPr/>
+          </p:nvSpPr>
+          <p:spPr>
+            <a:xfrm>
+              <a:off x="2847747" y="2655525"/>
+              <a:ext cx="1811045" cy="1438182"/>
+            </a:xfrm>
+            <a:prstGeom prst="flowChartMultidocument">
+              <a:avLst/>
+            </a:prstGeom>
+          </p:spPr>
+          <p:style>
+            <a:lnRef idx="2">
+              <a:schemeClr val="accent3">
+                <a:shade val="50000"/>
+              </a:schemeClr>
+            </a:lnRef>
+            <a:fillRef idx="1">
+              <a:schemeClr val="accent3"/>
+            </a:fillRef>
+            <a:effectRef idx="0">
+              <a:schemeClr val="accent3"/>
+            </a:effectRef>
+            <a:fontRef idx="minor">
+              <a:schemeClr val="lt1"/>
+            </a:fontRef>
+          </p:style>
+          <p:txBody>
+            <a:bodyPr rtlCol="0" anchor="ctr"/>
+            <a:lstStyle/>
+            <a:p>
+              <a:pPr algn="ctr"/>
+              <a:r>
+                <a:rPr lang="en-US" dirty="0"/>
+                <a:t>Templates (text file)</a:t>
+              </a:r>
+            </a:p>
+          </p:txBody>
+        </p:sp>
+        <p:sp>
+          <p:nvSpPr>
+            <p:cNvPr id="5" name="Arrow: Right 4">
+              <a:extLst>
+                <a:ext uri="{FF2B5EF4-FFF2-40B4-BE49-F238E27FC236}">
+                  <a16:creationId xmlns:a16="http://schemas.microsoft.com/office/drawing/2014/main" id="{A739DCF4-972A-4A8A-9A42-A3F6EF743133}"/>
+                </a:ext>
+              </a:extLst>
+            </p:cNvPr>
+            <p:cNvSpPr/>
+            <p:nvPr/>
+          </p:nvSpPr>
+          <p:spPr>
+            <a:xfrm>
+              <a:off x="4782312" y="3080551"/>
+              <a:ext cx="1065270" cy="239698"/>
+            </a:xfrm>
+            <a:prstGeom prst="rightArrow">
+              <a:avLst/>
+            </a:prstGeom>
+          </p:spPr>
+          <p:style>
+            <a:lnRef idx="2">
+              <a:schemeClr val="accent1">
+                <a:shade val="50000"/>
+              </a:schemeClr>
+            </a:lnRef>
+            <a:fillRef idx="1">
+              <a:schemeClr val="accent1"/>
+            </a:fillRef>
+            <a:effectRef idx="0">
+              <a:schemeClr val="accent1"/>
+            </a:effectRef>
+            <a:fontRef idx="minor">
+              <a:schemeClr val="lt1"/>
+            </a:fontRef>
+          </p:style>
+          <p:txBody>
+            <a:bodyPr rtlCol="0" anchor="ctr"/>
+            <a:lstStyle/>
+            <a:p>
+              <a:pPr algn="ctr"/>
+              <a:endParaRPr lang="en-US"/>
+            </a:p>
+          </p:txBody>
+        </p:sp>
+        <p:sp>
+          <p:nvSpPr>
+            <p:cNvPr id="6" name="Flowchart: Multidocument 5">
+              <a:extLst>
+                <a:ext uri="{FF2B5EF4-FFF2-40B4-BE49-F238E27FC236}">
+                  <a16:creationId xmlns:a16="http://schemas.microsoft.com/office/drawing/2014/main" id="{332BDFA5-A9B6-418F-B472-45AE9FF52979}"/>
+                </a:ext>
+              </a:extLst>
+            </p:cNvPr>
+            <p:cNvSpPr/>
+            <p:nvPr/>
+          </p:nvSpPr>
+          <p:spPr>
+            <a:xfrm>
+              <a:off x="5964471" y="2618913"/>
+              <a:ext cx="1737064" cy="1260629"/>
+            </a:xfrm>
+            <a:prstGeom prst="flowChartMultidocument">
+              <a:avLst/>
+            </a:prstGeom>
+          </p:spPr>
+          <p:style>
+            <a:lnRef idx="2">
+              <a:schemeClr val="accent1">
+                <a:shade val="50000"/>
+              </a:schemeClr>
+            </a:lnRef>
+            <a:fillRef idx="1">
+              <a:schemeClr val="accent1"/>
+            </a:fillRef>
+            <a:effectRef idx="0">
+              <a:schemeClr val="accent1"/>
+            </a:effectRef>
+            <a:fontRef idx="minor">
+              <a:schemeClr val="lt1"/>
+            </a:fontRef>
+          </p:style>
+          <p:txBody>
+            <a:bodyPr rtlCol="0" anchor="ctr"/>
+            <a:lstStyle/>
+            <a:p>
+              <a:pPr algn="ctr"/>
+              <a:r>
+                <a:rPr lang="en-US" dirty="0"/>
+                <a:t>JS</a:t>
+              </a:r>
+            </a:p>
+          </p:txBody>
+        </p:sp>
+        <p:sp>
+          <p:nvSpPr>
+            <p:cNvPr id="8" name="TextBox 7">
+              <a:extLst>
+                <a:ext uri="{FF2B5EF4-FFF2-40B4-BE49-F238E27FC236}">
+                  <a16:creationId xmlns:a16="http://schemas.microsoft.com/office/drawing/2014/main" id="{C6E7FA88-8FDD-4AFA-A5D0-EA3AA6F6C81A}"/>
+                </a:ext>
+              </a:extLst>
+            </p:cNvPr>
+            <p:cNvSpPr txBox="1"/>
+            <p:nvPr/>
+          </p:nvSpPr>
+          <p:spPr>
+            <a:xfrm>
+              <a:off x="4782312" y="3374616"/>
+              <a:ext cx="1065270" cy="923330"/>
+            </a:xfrm>
+            <a:prstGeom prst="rect">
+              <a:avLst/>
+            </a:prstGeom>
+            <a:noFill/>
+          </p:spPr>
+          <p:txBody>
+            <a:bodyPr wrap="square" rtlCol="0">
+              <a:spAutoFit/>
+            </a:bodyPr>
+            <a:lstStyle/>
+            <a:p>
+              <a:r>
+                <a:rPr lang="en-US" dirty="0"/>
+                <a:t>Replace entity name</a:t>
+              </a:r>
+            </a:p>
+          </p:txBody>
+        </p:sp>
+        <p:sp>
+          <p:nvSpPr>
+            <p:cNvPr id="10" name="Arrow: Right 9">
+              <a:extLst>
+                <a:ext uri="{FF2B5EF4-FFF2-40B4-BE49-F238E27FC236}">
+                  <a16:creationId xmlns:a16="http://schemas.microsoft.com/office/drawing/2014/main" id="{5DA5983A-6242-4A55-975E-4974663235D2}"/>
+                </a:ext>
+              </a:extLst>
+            </p:cNvPr>
+            <p:cNvSpPr/>
+            <p:nvPr/>
+          </p:nvSpPr>
+          <p:spPr>
+            <a:xfrm>
+              <a:off x="7790688" y="3080551"/>
+              <a:ext cx="711160" cy="239698"/>
+            </a:xfrm>
+            <a:prstGeom prst="rightArrow">
+              <a:avLst/>
+            </a:prstGeom>
+            <a:solidFill>
+              <a:srgbClr val="0070C0"/>
+            </a:solidFill>
+            <a:ln>
+              <a:solidFill>
+                <a:schemeClr val="bg1"/>
+              </a:solidFill>
+            </a:ln>
+          </p:spPr>
+          <p:style>
+            <a:lnRef idx="2">
+              <a:schemeClr val="accent1">
+                <a:shade val="50000"/>
+              </a:schemeClr>
+            </a:lnRef>
+            <a:fillRef idx="1">
+              <a:schemeClr val="accent1"/>
+            </a:fillRef>
+            <a:effectRef idx="0">
+              <a:schemeClr val="accent1"/>
+            </a:effectRef>
+            <a:fontRef idx="minor">
+              <a:schemeClr val="lt1"/>
+            </a:fontRef>
+          </p:style>
+          <p:txBody>
+            <a:bodyPr rtlCol="0" anchor="ctr"/>
+            <a:lstStyle/>
+            <a:p>
+              <a:pPr algn="ctr"/>
+              <a:endParaRPr lang="en-US"/>
+            </a:p>
+          </p:txBody>
+        </p:sp>
+        <p:sp>
+          <p:nvSpPr>
+            <p:cNvPr id="11" name="TextBox 10">
+              <a:extLst>
+                <a:ext uri="{FF2B5EF4-FFF2-40B4-BE49-F238E27FC236}">
+                  <a16:creationId xmlns:a16="http://schemas.microsoft.com/office/drawing/2014/main" id="{01B80189-8A85-47FA-85A7-51F8216C4727}"/>
+                </a:ext>
+              </a:extLst>
+            </p:cNvPr>
+            <p:cNvSpPr txBox="1"/>
+            <p:nvPr/>
+          </p:nvSpPr>
+          <p:spPr>
+            <a:xfrm>
+              <a:off x="8501848" y="2968672"/>
+              <a:ext cx="1260473" cy="369332"/>
+            </a:xfrm>
+            <a:prstGeom prst="rect">
+              <a:avLst/>
+            </a:prstGeom>
+            <a:noFill/>
+          </p:spPr>
+          <p:txBody>
+            <a:bodyPr wrap="none" rtlCol="0">
+              <a:spAutoFit/>
+            </a:bodyPr>
+            <a:lstStyle/>
+            <a:p>
+              <a:r>
+                <a:rPr lang="en-US" dirty="0"/>
+                <a:t>Copy files</a:t>
+              </a:r>
+            </a:p>
+          </p:txBody>
+        </p:sp>
+        <p:sp>
+          <p:nvSpPr>
+            <p:cNvPr id="12" name="TextBox 11">
+              <a:extLst>
+                <a:ext uri="{FF2B5EF4-FFF2-40B4-BE49-F238E27FC236}">
+                  <a16:creationId xmlns:a16="http://schemas.microsoft.com/office/drawing/2014/main" id="{6859E9D3-52E6-4ADB-BCCF-261D0A4B959D}"/>
+                </a:ext>
+              </a:extLst>
+            </p:cNvPr>
+            <p:cNvSpPr txBox="1"/>
+            <p:nvPr/>
+          </p:nvSpPr>
+          <p:spPr>
+            <a:xfrm>
+              <a:off x="8501848" y="2404362"/>
+              <a:ext cx="2214068" cy="369332"/>
+            </a:xfrm>
+            <a:prstGeom prst="rect">
+              <a:avLst/>
+            </a:prstGeom>
+            <a:noFill/>
+          </p:spPr>
+          <p:txBody>
+            <a:bodyPr wrap="none" rtlCol="0">
+              <a:spAutoFit/>
+            </a:bodyPr>
+            <a:lstStyle/>
+            <a:p>
+              <a:r>
+                <a:rPr lang="en-US" dirty="0"/>
+                <a:t>Check existed files</a:t>
+              </a:r>
+            </a:p>
+          </p:txBody>
+        </p:sp>
+        <p:sp>
+          <p:nvSpPr>
+            <p:cNvPr id="14" name="TextBox 13">
+              <a:extLst>
+                <a:ext uri="{FF2B5EF4-FFF2-40B4-BE49-F238E27FC236}">
+                  <a16:creationId xmlns:a16="http://schemas.microsoft.com/office/drawing/2014/main" id="{E74373E1-A3E1-468F-BDF0-784FD80DC859}"/>
+                </a:ext>
+              </a:extLst>
+            </p:cNvPr>
+            <p:cNvSpPr txBox="1"/>
+            <p:nvPr/>
+          </p:nvSpPr>
+          <p:spPr>
+            <a:xfrm>
+              <a:off x="8501848" y="3538285"/>
+              <a:ext cx="2642005" cy="369332"/>
+            </a:xfrm>
+            <a:prstGeom prst="rect">
+              <a:avLst/>
+            </a:prstGeom>
+            <a:noFill/>
+          </p:spPr>
+          <p:txBody>
+            <a:bodyPr wrap="none" rtlCol="0">
+              <a:spAutoFit/>
+            </a:bodyPr>
+            <a:lstStyle/>
+            <a:p>
+              <a:r>
+                <a:rPr lang="en-US" dirty="0"/>
+                <a:t>Load required libraries</a:t>
+              </a:r>
+            </a:p>
+          </p:txBody>
+        </p:sp>
+      </p:grpSp>
+      <p:pic>
+        <p:nvPicPr>
+          <p:cNvPr id="1028" name="Picture 4" descr="Image result for terminal icon">
+            <a:extLst>
+              <a:ext uri="{FF2B5EF4-FFF2-40B4-BE49-F238E27FC236}">
+                <a16:creationId xmlns:a16="http://schemas.microsoft.com/office/drawing/2014/main" id="{09AA0DF7-6B41-4D5B-AE96-008C996A45BA}"/>
+              </a:ext>
+            </a:extLst>
+          </p:cNvPr>
+          <p:cNvPicPr>
+            <a:picLocks noChangeAspect="1" noChangeArrowheads="1"/>
+          </p:cNvPicPr>
+          <p:nvPr/>
+        </p:nvPicPr>
+        <p:blipFill>
+          <a:blip r:embed="rId2">
+            <a:extLst>
+              <a:ext uri="{28A0092B-C50C-407E-A947-70E740481C1C}">
+                <a14:useLocalDpi xmlns:a14="http://schemas.microsoft.com/office/drawing/2010/main" val="0"/>
+              </a:ext>
+            </a:extLst>
+          </a:blip>
+          <a:srcRect/>
+          <a:stretch>
+            <a:fillRect/>
+          </a:stretch>
+        </p:blipFill>
+        <p:spPr bwMode="auto">
+          <a:xfrm>
+            <a:off x="678438" y="2648429"/>
+            <a:ext cx="1361894" cy="1361894"/>
+          </a:xfrm>
+          <a:prstGeom prst="rect">
+            <a:avLst/>
+          </a:prstGeom>
+          <a:noFill/>
+          <a:extLst>
+            <a:ext uri="{909E8E84-426E-40DD-AFC4-6F175D3DCCD1}">
+              <a14:hiddenFill xmlns:a14="http://schemas.microsoft.com/office/drawing/2010/main">
+                <a:solidFill>
+                  <a:srgbClr val="FFFFFF"/>
+                </a:solidFill>
+              </a14:hiddenFill>
+            </a:ext>
+          </a:extLst>
+        </p:spPr>
+      </p:pic>
+      <p:sp>
+        <p:nvSpPr>
+          <p:cNvPr id="16" name="Arrow: Right 15">
+            <a:extLst>
+              <a:ext uri="{FF2B5EF4-FFF2-40B4-BE49-F238E27FC236}">
+                <a16:creationId xmlns:a16="http://schemas.microsoft.com/office/drawing/2014/main" id="{E0A35A9D-C9C8-4C49-97ED-6DB65CECF6DE}"/>
+              </a:ext>
+            </a:extLst>
+          </p:cNvPr>
+          <p:cNvSpPr/>
+          <p:nvPr/>
+        </p:nvSpPr>
+        <p:spPr>
+          <a:xfrm>
+            <a:off x="2163852" y="3103883"/>
+            <a:ext cx="1361894" cy="225493"/>
+          </a:xfrm>
+          <a:prstGeom prst="rightArrow">
+            <a:avLst/>
+          </a:prstGeom>
+          <a:solidFill>
+            <a:schemeClr val="bg1">
+              <a:lumMod val="50000"/>
+            </a:schemeClr>
+          </a:solidFill>
+        </p:spPr>
+        <p:style>
+          <a:lnRef idx="2">
+            <a:schemeClr val="accent5">
+              <a:shade val="50000"/>
+            </a:schemeClr>
+          </a:lnRef>
+          <a:fillRef idx="1">
+            <a:schemeClr val="accent5"/>
+          </a:fillRef>
+          <a:effectRef idx="0">
+            <a:schemeClr val="accent5"/>
+          </a:effectRef>
+          <a:fontRef idx="minor">
+            <a:schemeClr val="lt1"/>
+          </a:fontRef>
+        </p:style>
+        <p:txBody>
+          <a:bodyPr rtlCol="0" anchor="ctr"/>
+          <a:lstStyle/>
+          <a:p>
+            <a:pPr algn="ctr"/>
             <a:endParaRPr lang="en-US"/>
           </a:p>
         </p:txBody>
       </p:sp>
       <p:sp>
         <p:nvSpPr>
-          <p:cNvPr id="3" name="Content Placeholder 2"/>
-          <p:cNvSpPr>
-            <a:spLocks noGrp="1"/>
-          </p:cNvSpPr>
-          <p:nvPr>
-            <p:ph idx="1"/>
-          </p:nvPr>
-        </p:nvSpPr>
-        <p:spPr/>
-        <p:txBody>
-          <a:bodyPr/>
+          <p:cNvPr id="17" name="TextBox 16">
+            <a:extLst>
+              <a:ext uri="{FF2B5EF4-FFF2-40B4-BE49-F238E27FC236}">
+                <a16:creationId xmlns:a16="http://schemas.microsoft.com/office/drawing/2014/main" id="{CFD2E33E-F886-4198-AF67-C1B1567C70E3}"/>
+              </a:ext>
+            </a:extLst>
+          </p:cNvPr>
+          <p:cNvSpPr txBox="1"/>
+          <p:nvPr/>
+        </p:nvSpPr>
+        <p:spPr>
+          <a:xfrm>
+            <a:off x="2159698" y="3363992"/>
+            <a:ext cx="1361894" cy="646331"/>
+          </a:xfrm>
+          <a:prstGeom prst="rect">
+            <a:avLst/>
+          </a:prstGeom>
+          <a:noFill/>
+        </p:spPr>
+        <p:txBody>
+          <a:bodyPr wrap="square" rtlCol="0">
+            <a:spAutoFit/>
+          </a:bodyPr>
           <a:lstStyle/>
           <a:p>
-            <a:endParaRPr lang="en-US"/>
+            <a:r>
+              <a:rPr lang="en-US" dirty="0"/>
+              <a:t>Generator infos</a:t>
+            </a:r>
           </a:p>
         </p:txBody>
       </p:sp>
@@ -5841,13 +6309,6 @@
   <p:clrMapOvr>
     <a:masterClrMapping/>
   </p:clrMapOvr>
-  <p:timing>
-    <p:tnLst>
-      <p:par>
-        <p:cTn id="1" dur="indefinite" restart="never" nodeType="tmRoot"/>
-      </p:par>
-    </p:tnLst>
-  </p:timing>
 </p:sld>
 </file>
 
@@ -5883,26 +6344,325 @@
           <a:bodyPr/>
           <a:lstStyle/>
           <a:p>
-            <a:endParaRPr lang="en-US"/>
-          </a:p>
-        </p:txBody>
-      </p:sp>
-      <p:sp>
-        <p:nvSpPr>
-          <p:cNvPr id="3" name="Content Placeholder 2"/>
-          <p:cNvSpPr>
-            <a:spLocks noGrp="1"/>
-          </p:cNvSpPr>
-          <p:nvPr>
-            <p:ph idx="1"/>
-          </p:nvPr>
-        </p:nvSpPr>
-        <p:spPr/>
-        <p:txBody>
-          <a:bodyPr/>
+            <a:r>
+              <a:rPr lang="en-US" dirty="0"/>
+              <a:t>Details</a:t>
+            </a:r>
+          </a:p>
+        </p:txBody>
+      </p:sp>
+      <p:pic>
+        <p:nvPicPr>
+          <p:cNvPr id="4" name="Picture 3">
+            <a:extLst>
+              <a:ext uri="{FF2B5EF4-FFF2-40B4-BE49-F238E27FC236}">
+                <a16:creationId xmlns:a16="http://schemas.microsoft.com/office/drawing/2014/main" id="{D005B3A3-9394-4491-BE08-E8151C0102FA}"/>
+              </a:ext>
+            </a:extLst>
+          </p:cNvPr>
+          <p:cNvPicPr>
+            <a:picLocks noChangeAspect="1"/>
+          </p:cNvPicPr>
+          <p:nvPr/>
+        </p:nvPicPr>
+        <p:blipFill rotWithShape="1">
+          <a:blip r:embed="rId2"/>
+          <a:srcRect r="1877"/>
+          <a:stretch/>
+        </p:blipFill>
+        <p:spPr>
+          <a:xfrm>
+            <a:off x="1063752" y="2093976"/>
+            <a:ext cx="5149761" cy="2609850"/>
+          </a:xfrm>
+          <a:prstGeom prst="rect">
+            <a:avLst/>
+          </a:prstGeom>
+        </p:spPr>
+      </p:pic>
+      <p:pic>
+        <p:nvPicPr>
+          <p:cNvPr id="2050" name="Picture 2" descr="Image result for yargs">
+            <a:extLst>
+              <a:ext uri="{FF2B5EF4-FFF2-40B4-BE49-F238E27FC236}">
+                <a16:creationId xmlns:a16="http://schemas.microsoft.com/office/drawing/2014/main" id="{FD964384-1762-4976-A1F0-28AEC13A937E}"/>
+              </a:ext>
+            </a:extLst>
+          </p:cNvPr>
+          <p:cNvPicPr>
+            <a:picLocks noChangeAspect="1" noChangeArrowheads="1"/>
+          </p:cNvPicPr>
+          <p:nvPr/>
+        </p:nvPicPr>
+        <p:blipFill>
+          <a:blip r:embed="rId3">
+            <a:extLst>
+              <a:ext uri="{28A0092B-C50C-407E-A947-70E740481C1C}">
+                <a14:useLocalDpi xmlns:a14="http://schemas.microsoft.com/office/drawing/2010/main" val="0"/>
+              </a:ext>
+            </a:extLst>
+          </a:blip>
+          <a:srcRect/>
+          <a:stretch>
+            <a:fillRect/>
+          </a:stretch>
+        </p:blipFill>
+        <p:spPr bwMode="auto">
+          <a:xfrm>
+            <a:off x="9506696" y="755713"/>
+            <a:ext cx="1724025" cy="1990725"/>
+          </a:xfrm>
+          <a:prstGeom prst="rect">
+            <a:avLst/>
+          </a:prstGeom>
+          <a:noFill/>
+          <a:extLst>
+            <a:ext uri="{909E8E84-426E-40DD-AFC4-6F175D3DCCD1}">
+              <a14:hiddenFill xmlns:a14="http://schemas.microsoft.com/office/drawing/2010/main">
+                <a:solidFill>
+                  <a:srgbClr val="FFFFFF"/>
+                </a:solidFill>
+              </a14:hiddenFill>
+            </a:ext>
+          </a:extLst>
+        </p:spPr>
+      </p:pic>
+      <p:pic>
+        <p:nvPicPr>
+          <p:cNvPr id="5" name="Picture 4">
+            <a:extLst>
+              <a:ext uri="{FF2B5EF4-FFF2-40B4-BE49-F238E27FC236}">
+                <a16:creationId xmlns:a16="http://schemas.microsoft.com/office/drawing/2014/main" id="{6C4C693C-1166-41D6-9185-CF7066752E34}"/>
+              </a:ext>
+            </a:extLst>
+          </p:cNvPr>
+          <p:cNvPicPr>
+            <a:picLocks noChangeAspect="1"/>
+          </p:cNvPicPr>
+          <p:nvPr/>
+        </p:nvPicPr>
+        <p:blipFill>
+          <a:blip r:embed="rId4"/>
+          <a:stretch>
+            <a:fillRect/>
+          </a:stretch>
+        </p:blipFill>
+        <p:spPr>
+          <a:xfrm>
+            <a:off x="9249522" y="3429000"/>
+            <a:ext cx="2238375" cy="2209800"/>
+          </a:xfrm>
+          <a:prstGeom prst="rect">
+            <a:avLst/>
+          </a:prstGeom>
+        </p:spPr>
+      </p:pic>
+      <p:sp>
+        <p:nvSpPr>
+          <p:cNvPr id="6" name="TextBox 5">
+            <a:extLst>
+              <a:ext uri="{FF2B5EF4-FFF2-40B4-BE49-F238E27FC236}">
+                <a16:creationId xmlns:a16="http://schemas.microsoft.com/office/drawing/2014/main" id="{03D379BD-E3D4-43C6-8079-4952A06EA513}"/>
+              </a:ext>
+            </a:extLst>
+          </p:cNvPr>
+          <p:cNvSpPr txBox="1"/>
+          <p:nvPr/>
+        </p:nvSpPr>
+        <p:spPr>
+          <a:xfrm>
+            <a:off x="9249522" y="3573432"/>
+            <a:ext cx="1628844" cy="461665"/>
+          </a:xfrm>
+          <a:prstGeom prst="rect">
+            <a:avLst/>
+          </a:prstGeom>
+          <a:noFill/>
+        </p:spPr>
+        <p:txBody>
+          <a:bodyPr wrap="none" rtlCol="0">
+            <a:spAutoFit/>
+          </a:bodyPr>
           <a:lstStyle/>
           <a:p>
-            <a:endParaRPr lang="en-US"/>
+            <a:r>
+              <a:rPr lang="en-US" sz="2400" dirty="0">
+                <a:solidFill>
+                  <a:schemeClr val="accent1"/>
+                </a:solidFill>
+              </a:rPr>
+              <a:t>Inquirer.js</a:t>
+            </a:r>
+          </a:p>
+        </p:txBody>
+      </p:sp>
+      <p:sp>
+        <p:nvSpPr>
+          <p:cNvPr id="7" name="Rectangle 6">
+            <a:extLst>
+              <a:ext uri="{FF2B5EF4-FFF2-40B4-BE49-F238E27FC236}">
+                <a16:creationId xmlns:a16="http://schemas.microsoft.com/office/drawing/2014/main" id="{D9D65FA8-9F6F-48FA-A9EF-D1859F5E4805}"/>
+              </a:ext>
+            </a:extLst>
+          </p:cNvPr>
+          <p:cNvSpPr/>
+          <p:nvPr/>
+        </p:nvSpPr>
+        <p:spPr>
+          <a:xfrm>
+            <a:off x="676656" y="1947672"/>
+            <a:ext cx="6089904" cy="3017520"/>
+          </a:xfrm>
+          <a:prstGeom prst="rect">
+            <a:avLst/>
+          </a:prstGeom>
+          <a:noFill/>
+          <a:ln w="76200"/>
+        </p:spPr>
+        <p:style>
+          <a:lnRef idx="2">
+            <a:schemeClr val="accent1">
+              <a:shade val="50000"/>
+            </a:schemeClr>
+          </a:lnRef>
+          <a:fillRef idx="1">
+            <a:schemeClr val="accent1"/>
+          </a:fillRef>
+          <a:effectRef idx="0">
+            <a:schemeClr val="accent1"/>
+          </a:effectRef>
+          <a:fontRef idx="minor">
+            <a:schemeClr val="lt1"/>
+          </a:fontRef>
+        </p:style>
+        <p:txBody>
+          <a:bodyPr rot="0" spcFirstLastPara="0" vertOverflow="overflow" horzOverflow="overflow" vert="horz" wrap="square" lIns="91440" tIns="45720" rIns="91440" bIns="45720" numCol="1" spcCol="0" rtlCol="0" fromWordArt="0" anchor="ctr" anchorCtr="0" forceAA="0" compatLnSpc="1">
+            <a:prstTxWarp prst="textNoShape">
+              <a:avLst/>
+            </a:prstTxWarp>
+            <a:noAutofit/>
+          </a:bodyPr>
+          <a:lstStyle/>
+          <a:p>
+            <a:pPr algn="ctr"/>
+            <a:endParaRPr lang="en-US" b="1">
+              <a:ln w="22225">
+                <a:solidFill>
+                  <a:schemeClr val="accent2"/>
+                </a:solidFill>
+                <a:prstDash val="solid"/>
+              </a:ln>
+              <a:solidFill>
+                <a:schemeClr val="accent2">
+                  <a:lumMod val="40000"/>
+                  <a:lumOff val="60000"/>
+                </a:schemeClr>
+              </a:solidFill>
+            </a:endParaRPr>
+          </a:p>
+        </p:txBody>
+      </p:sp>
+      <p:sp>
+        <p:nvSpPr>
+          <p:cNvPr id="8" name="Arrow: Right 7">
+            <a:extLst>
+              <a:ext uri="{FF2B5EF4-FFF2-40B4-BE49-F238E27FC236}">
+                <a16:creationId xmlns:a16="http://schemas.microsoft.com/office/drawing/2014/main" id="{044E8C99-D938-4815-8835-2CF14038B979}"/>
+              </a:ext>
+            </a:extLst>
+          </p:cNvPr>
+          <p:cNvSpPr/>
+          <p:nvPr/>
+        </p:nvSpPr>
+        <p:spPr>
+          <a:xfrm rot="20468802">
+            <a:off x="6934985" y="2348089"/>
+            <a:ext cx="2564696" cy="311567"/>
+          </a:xfrm>
+          <a:prstGeom prst="rightArrow">
+            <a:avLst/>
+          </a:prstGeom>
+          <a:solidFill>
+            <a:srgbClr val="0070C0"/>
+          </a:solidFill>
+          <a:ln>
+            <a:noFill/>
+          </a:ln>
+        </p:spPr>
+        <p:style>
+          <a:lnRef idx="2">
+            <a:schemeClr val="accent1">
+              <a:shade val="50000"/>
+            </a:schemeClr>
+          </a:lnRef>
+          <a:fillRef idx="1">
+            <a:schemeClr val="accent1"/>
+          </a:fillRef>
+          <a:effectRef idx="0">
+            <a:schemeClr val="accent1"/>
+          </a:effectRef>
+          <a:fontRef idx="minor">
+            <a:schemeClr val="lt1"/>
+          </a:fontRef>
+        </p:style>
+        <p:txBody>
+          <a:bodyPr rtlCol="0" anchor="ctr"/>
+          <a:lstStyle/>
+          <a:p>
+            <a:pPr algn="ctr"/>
+            <a:endParaRPr lang="en-US" dirty="0"/>
+          </a:p>
+        </p:txBody>
+      </p:sp>
+      <p:sp>
+        <p:nvSpPr>
+          <p:cNvPr id="10" name="Arrow: Right 9">
+            <a:extLst>
+              <a:ext uri="{FF2B5EF4-FFF2-40B4-BE49-F238E27FC236}">
+                <a16:creationId xmlns:a16="http://schemas.microsoft.com/office/drawing/2014/main" id="{CD2608A7-99DB-4FF5-B583-C31B474A41D5}"/>
+              </a:ext>
+            </a:extLst>
+          </p:cNvPr>
+          <p:cNvSpPr/>
+          <p:nvPr/>
+        </p:nvSpPr>
+        <p:spPr>
+          <a:xfrm rot="1066308">
+            <a:off x="6907976" y="3774883"/>
+            <a:ext cx="2350069" cy="311567"/>
+          </a:xfrm>
+          <a:prstGeom prst="rightArrow">
+            <a:avLst/>
+          </a:prstGeom>
+          <a:solidFill>
+            <a:srgbClr val="0070C0"/>
+          </a:solidFill>
+          <a:ln>
+            <a:noFill/>
+          </a:ln>
+        </p:spPr>
+        <p:style>
+          <a:lnRef idx="2">
+            <a:schemeClr val="accent1">
+              <a:shade val="50000"/>
+            </a:schemeClr>
+          </a:lnRef>
+          <a:fillRef idx="1">
+            <a:schemeClr val="accent1"/>
+          </a:fillRef>
+          <a:effectRef idx="0">
+            <a:schemeClr val="accent1"/>
+          </a:effectRef>
+          <a:fontRef idx="minor">
+            <a:schemeClr val="lt1"/>
+          </a:fontRef>
+        </p:style>
+        <p:txBody>
+          <a:bodyPr rtlCol="0" anchor="ctr"/>
+          <a:lstStyle/>
+          <a:p>
+            <a:pPr algn="ctr"/>
+            <a:endParaRPr lang="en-US" dirty="0"/>
           </a:p>
         </p:txBody>
       </p:sp>
@@ -5916,13 +6676,6 @@
   <p:clrMapOvr>
     <a:masterClrMapping/>
   </p:clrMapOvr>
-  <p:timing>
-    <p:tnLst>
-      <p:par>
-        <p:cTn id="1" dur="indefinite" restart="never" nodeType="tmRoot"/>
-      </p:par>
-    </p:tnLst>
-  </p:timing>
 </p:sld>
 </file>
 
@@ -5943,44 +6696,232 @@
           <a:chExt cx="0" cy="0"/>
         </a:xfrm>
       </p:grpSpPr>
-      <p:sp>
-        <p:nvSpPr>
-          <p:cNvPr id="2" name="Title 1"/>
-          <p:cNvSpPr>
-            <a:spLocks noGrp="1"/>
-          </p:cNvSpPr>
-          <p:nvPr>
-            <p:ph type="title"/>
-          </p:nvPr>
-        </p:nvSpPr>
-        <p:spPr/>
-        <p:txBody>
-          <a:bodyPr/>
+      <p:grpSp>
+        <p:nvGrpSpPr>
+          <p:cNvPr id="10" name="Group 9">
+            <a:extLst>
+              <a:ext uri="{FF2B5EF4-FFF2-40B4-BE49-F238E27FC236}">
+                <a16:creationId xmlns:a16="http://schemas.microsoft.com/office/drawing/2014/main" id="{EE1B4073-412F-4D99-A462-BBB81D833E27}"/>
+              </a:ext>
+            </a:extLst>
+          </p:cNvPr>
+          <p:cNvGrpSpPr/>
+          <p:nvPr/>
+        </p:nvGrpSpPr>
+        <p:grpSpPr>
+          <a:xfrm>
+            <a:off x="676656" y="2286000"/>
+            <a:ext cx="8647790" cy="2602230"/>
+            <a:chOff x="3291564" y="79629"/>
+            <a:chExt cx="8567928" cy="2419350"/>
+          </a:xfrm>
+        </p:grpSpPr>
+        <p:pic>
+          <p:nvPicPr>
+            <p:cNvPr id="4" name="Picture 3">
+              <a:extLst>
+                <a:ext uri="{FF2B5EF4-FFF2-40B4-BE49-F238E27FC236}">
+                  <a16:creationId xmlns:a16="http://schemas.microsoft.com/office/drawing/2014/main" id="{D08E4169-C539-41BE-AF39-10E6BB4C7B25}"/>
+                </a:ext>
+              </a:extLst>
+            </p:cNvPr>
+            <p:cNvPicPr>
+              <a:picLocks noChangeAspect="1"/>
+            </p:cNvPicPr>
+            <p:nvPr/>
+          </p:nvPicPr>
+          <p:blipFill>
+            <a:blip r:embed="rId2"/>
+            <a:stretch>
+              <a:fillRect/>
+            </a:stretch>
+          </p:blipFill>
+          <p:spPr>
+            <a:xfrm>
+              <a:off x="3522127" y="79629"/>
+              <a:ext cx="8106802" cy="2419350"/>
+            </a:xfrm>
+            <a:prstGeom prst="rect">
+              <a:avLst/>
+            </a:prstGeom>
+          </p:spPr>
+        </p:pic>
+        <p:sp>
+          <p:nvSpPr>
+            <p:cNvPr id="8" name="Rectangle 7">
+              <a:extLst>
+                <a:ext uri="{FF2B5EF4-FFF2-40B4-BE49-F238E27FC236}">
+                  <a16:creationId xmlns:a16="http://schemas.microsoft.com/office/drawing/2014/main" id="{0326DB65-F227-433E-A0D0-55FE1B67C495}"/>
+                </a:ext>
+              </a:extLst>
+            </p:cNvPr>
+            <p:cNvSpPr/>
+            <p:nvPr/>
+          </p:nvSpPr>
+          <p:spPr>
+            <a:xfrm>
+              <a:off x="3291564" y="301752"/>
+              <a:ext cx="8567928" cy="2197227"/>
+            </a:xfrm>
+            <a:prstGeom prst="rect">
+              <a:avLst/>
+            </a:prstGeom>
+            <a:noFill/>
+            <a:ln w="57150"/>
+          </p:spPr>
+          <p:style>
+            <a:lnRef idx="2">
+              <a:schemeClr val="accent1">
+                <a:shade val="50000"/>
+              </a:schemeClr>
+            </a:lnRef>
+            <a:fillRef idx="1">
+              <a:schemeClr val="accent1"/>
+            </a:fillRef>
+            <a:effectRef idx="0">
+              <a:schemeClr val="accent1"/>
+            </a:effectRef>
+            <a:fontRef idx="minor">
+              <a:schemeClr val="lt1"/>
+            </a:fontRef>
+          </p:style>
+          <p:txBody>
+            <a:bodyPr rtlCol="0" anchor="ctr"/>
+            <a:lstStyle/>
+            <a:p>
+              <a:pPr algn="ctr"/>
+              <a:endParaRPr lang="en-US"/>
+            </a:p>
+          </p:txBody>
+        </p:sp>
+      </p:grpSp>
+      <p:pic>
+        <p:nvPicPr>
+          <p:cNvPr id="3074" name="Picture 2" descr="Image result for plopjs">
+            <a:extLst>
+              <a:ext uri="{FF2B5EF4-FFF2-40B4-BE49-F238E27FC236}">
+                <a16:creationId xmlns:a16="http://schemas.microsoft.com/office/drawing/2014/main" id="{9FA8A41B-37A3-44F7-BC93-47DFC3EDB059}"/>
+              </a:ext>
+            </a:extLst>
+          </p:cNvPr>
+          <p:cNvPicPr>
+            <a:picLocks noChangeAspect="1" noChangeArrowheads="1"/>
+          </p:cNvPicPr>
+          <p:nvPr/>
+        </p:nvPicPr>
+        <p:blipFill rotWithShape="1">
+          <a:blip r:embed="rId3">
+            <a:extLst>
+              <a:ext uri="{28A0092B-C50C-407E-A947-70E740481C1C}">
+                <a14:useLocalDpi xmlns:a14="http://schemas.microsoft.com/office/drawing/2010/main" val="0"/>
+              </a:ext>
+            </a:extLst>
+          </a:blip>
+          <a:srcRect l="24880" r="22607"/>
+          <a:stretch/>
+        </p:blipFill>
+        <p:spPr bwMode="auto">
+          <a:xfrm>
+            <a:off x="10562540" y="3068955"/>
+            <a:ext cx="1234441" cy="1219200"/>
+          </a:xfrm>
+          <a:prstGeom prst="rect">
+            <a:avLst/>
+          </a:prstGeom>
+          <a:noFill/>
+          <a:extLst>
+            <a:ext uri="{909E8E84-426E-40DD-AFC4-6F175D3DCCD1}">
+              <a14:hiddenFill xmlns:a14="http://schemas.microsoft.com/office/drawing/2010/main">
+                <a:solidFill>
+                  <a:srgbClr val="FFFFFF"/>
+                </a:solidFill>
+              </a14:hiddenFill>
+            </a:ext>
+          </a:extLst>
+        </p:spPr>
+      </p:pic>
+      <p:sp>
+        <p:nvSpPr>
+          <p:cNvPr id="9" name="Arrow: Striped Right 8">
+            <a:extLst>
+              <a:ext uri="{FF2B5EF4-FFF2-40B4-BE49-F238E27FC236}">
+                <a16:creationId xmlns:a16="http://schemas.microsoft.com/office/drawing/2014/main" id="{51AA419F-B840-49A7-84D2-730F842AAA52}"/>
+              </a:ext>
+            </a:extLst>
+          </p:cNvPr>
+          <p:cNvSpPr/>
+          <p:nvPr/>
+        </p:nvSpPr>
+        <p:spPr>
+          <a:xfrm>
+            <a:off x="9545729" y="3208020"/>
+            <a:ext cx="795528" cy="841248"/>
+          </a:xfrm>
+          <a:prstGeom prst="stripedRightArrow">
+            <a:avLst/>
+          </a:prstGeom>
+          <a:solidFill>
+            <a:schemeClr val="accent4">
+              <a:lumMod val="60000"/>
+              <a:lumOff val="40000"/>
+            </a:schemeClr>
+          </a:solidFill>
+        </p:spPr>
+        <p:style>
+          <a:lnRef idx="2">
+            <a:schemeClr val="accent1">
+              <a:shade val="50000"/>
+            </a:schemeClr>
+          </a:lnRef>
+          <a:fillRef idx="1">
+            <a:schemeClr val="accent1"/>
+          </a:fillRef>
+          <a:effectRef idx="0">
+            <a:schemeClr val="accent1"/>
+          </a:effectRef>
+          <a:fontRef idx="minor">
+            <a:schemeClr val="lt1"/>
+          </a:fontRef>
+        </p:style>
+        <p:txBody>
+          <a:bodyPr rtlCol="0" anchor="ctr"/>
           <a:lstStyle/>
           <a:p>
+            <a:pPr algn="ctr"/>
             <a:endParaRPr lang="en-US"/>
           </a:p>
         </p:txBody>
       </p:sp>
-      <p:sp>
-        <p:nvSpPr>
-          <p:cNvPr id="3" name="Content Placeholder 2"/>
-          <p:cNvSpPr>
-            <a:spLocks noGrp="1"/>
-          </p:cNvSpPr>
-          <p:nvPr>
-            <p:ph idx="1"/>
-          </p:nvPr>
-        </p:nvSpPr>
-        <p:spPr/>
-        <p:txBody>
-          <a:bodyPr/>
-          <a:lstStyle/>
-          <a:p>
-            <a:endParaRPr lang="en-US"/>
-          </a:p>
-        </p:txBody>
-      </p:sp>
+      <p:pic>
+        <p:nvPicPr>
+          <p:cNvPr id="13" name="Picture 12">
+            <a:extLst>
+              <a:ext uri="{FF2B5EF4-FFF2-40B4-BE49-F238E27FC236}">
+                <a16:creationId xmlns:a16="http://schemas.microsoft.com/office/drawing/2014/main" id="{877E7AB8-49ED-46E3-8294-4E58D576695F}"/>
+              </a:ext>
+            </a:extLst>
+          </p:cNvPr>
+          <p:cNvPicPr>
+            <a:picLocks noChangeAspect="1"/>
+          </p:cNvPicPr>
+          <p:nvPr/>
+        </p:nvPicPr>
+        <p:blipFill>
+          <a:blip r:embed="rId4"/>
+          <a:stretch>
+            <a:fillRect/>
+          </a:stretch>
+        </p:blipFill>
+        <p:spPr>
+          <a:xfrm>
+            <a:off x="1001112" y="429628"/>
+            <a:ext cx="10059272" cy="1609483"/>
+          </a:xfrm>
+          <a:prstGeom prst="rect">
+            <a:avLst/>
+          </a:prstGeom>
+        </p:spPr>
+      </p:pic>
     </p:spTree>
     <p:extLst>
       <p:ext uri="{BB962C8B-B14F-4D97-AF65-F5344CB8AC3E}">
@@ -6026,26 +6967,207 @@
           <a:bodyPr/>
           <a:lstStyle/>
           <a:p>
+            <a:r>
+              <a:rPr lang="en-US" dirty="0"/>
+              <a:t>Some extra things</a:t>
+            </a:r>
+          </a:p>
+        </p:txBody>
+      </p:sp>
+      <p:pic>
+        <p:nvPicPr>
+          <p:cNvPr id="6" name="Picture 5">
+            <a:extLst>
+              <a:ext uri="{FF2B5EF4-FFF2-40B4-BE49-F238E27FC236}">
+                <a16:creationId xmlns:a16="http://schemas.microsoft.com/office/drawing/2014/main" id="{731E631A-5020-4218-8585-A8DCC7027B3D}"/>
+              </a:ext>
+            </a:extLst>
+          </p:cNvPr>
+          <p:cNvPicPr>
+            <a:picLocks noChangeAspect="1"/>
+          </p:cNvPicPr>
+          <p:nvPr/>
+        </p:nvPicPr>
+        <p:blipFill rotWithShape="1">
+          <a:blip r:embed="rId2"/>
+          <a:srcRect r="1312" b="13300"/>
+          <a:stretch/>
+        </p:blipFill>
+        <p:spPr>
+          <a:xfrm>
+            <a:off x="1063751" y="2268648"/>
+            <a:ext cx="4256517" cy="3739456"/>
+          </a:xfrm>
+          <a:prstGeom prst="rect">
+            <a:avLst/>
+          </a:prstGeom>
+        </p:spPr>
+      </p:pic>
+      <p:sp>
+        <p:nvSpPr>
+          <p:cNvPr id="8" name="Arrow: Right 7">
+            <a:extLst>
+              <a:ext uri="{FF2B5EF4-FFF2-40B4-BE49-F238E27FC236}">
+                <a16:creationId xmlns:a16="http://schemas.microsoft.com/office/drawing/2014/main" id="{671AEF28-C153-4ED2-9819-7E108387D8EE}"/>
+              </a:ext>
+            </a:extLst>
+          </p:cNvPr>
+          <p:cNvSpPr/>
+          <p:nvPr/>
+        </p:nvSpPr>
+        <p:spPr>
+          <a:xfrm rot="19902293">
+            <a:off x="4666437" y="3138098"/>
+            <a:ext cx="2312364" cy="356616"/>
+          </a:xfrm>
+          <a:prstGeom prst="rightArrow">
+            <a:avLst/>
+          </a:prstGeom>
+          <a:solidFill>
+            <a:srgbClr val="92D050"/>
+          </a:solidFill>
+        </p:spPr>
+        <p:style>
+          <a:lnRef idx="2">
+            <a:schemeClr val="accent1">
+              <a:shade val="50000"/>
+            </a:schemeClr>
+          </a:lnRef>
+          <a:fillRef idx="1">
+            <a:schemeClr val="accent1"/>
+          </a:fillRef>
+          <a:effectRef idx="0">
+            <a:schemeClr val="accent1"/>
+          </a:effectRef>
+          <a:fontRef idx="minor">
+            <a:schemeClr val="lt1"/>
+          </a:fontRef>
+        </p:style>
+        <p:txBody>
+          <a:bodyPr rtlCol="0" anchor="ctr"/>
+          <a:lstStyle/>
+          <a:p>
+            <a:pPr algn="ctr"/>
             <a:endParaRPr lang="en-US"/>
           </a:p>
         </p:txBody>
       </p:sp>
       <p:sp>
         <p:nvSpPr>
-          <p:cNvPr id="3" name="Content Placeholder 2"/>
-          <p:cNvSpPr>
-            <a:spLocks noGrp="1"/>
-          </p:cNvSpPr>
-          <p:nvPr>
-            <p:ph idx="1"/>
-          </p:nvPr>
-        </p:nvSpPr>
-        <p:spPr/>
-        <p:txBody>
-          <a:bodyPr/>
+          <p:cNvPr id="9" name="Arrow: Right 8">
+            <a:extLst>
+              <a:ext uri="{FF2B5EF4-FFF2-40B4-BE49-F238E27FC236}">
+                <a16:creationId xmlns:a16="http://schemas.microsoft.com/office/drawing/2014/main" id="{A662695B-E76B-4AB4-AAD2-3FE157A13091}"/>
+              </a:ext>
+            </a:extLst>
+          </p:cNvPr>
+          <p:cNvSpPr/>
+          <p:nvPr/>
+        </p:nvSpPr>
+        <p:spPr>
+          <a:xfrm rot="800743">
+            <a:off x="4828031" y="4425200"/>
+            <a:ext cx="2980944" cy="311888"/>
+          </a:xfrm>
+          <a:prstGeom prst="rightArrow">
+            <a:avLst/>
+          </a:prstGeom>
+          <a:solidFill>
+            <a:srgbClr val="92D050"/>
+          </a:solidFill>
+        </p:spPr>
+        <p:style>
+          <a:lnRef idx="2">
+            <a:schemeClr val="accent1">
+              <a:shade val="50000"/>
+            </a:schemeClr>
+          </a:lnRef>
+          <a:fillRef idx="1">
+            <a:schemeClr val="accent1"/>
+          </a:fillRef>
+          <a:effectRef idx="0">
+            <a:schemeClr val="accent1"/>
+          </a:effectRef>
+          <a:fontRef idx="minor">
+            <a:schemeClr val="lt1"/>
+          </a:fontRef>
+        </p:style>
+        <p:txBody>
+          <a:bodyPr rtlCol="0" anchor="ctr"/>
           <a:lstStyle/>
           <a:p>
+            <a:pPr algn="ctr"/>
             <a:endParaRPr lang="en-US"/>
+          </a:p>
+        </p:txBody>
+      </p:sp>
+      <p:sp>
+        <p:nvSpPr>
+          <p:cNvPr id="10" name="TextBox 9">
+            <a:extLst>
+              <a:ext uri="{FF2B5EF4-FFF2-40B4-BE49-F238E27FC236}">
+                <a16:creationId xmlns:a16="http://schemas.microsoft.com/office/drawing/2014/main" id="{45990927-600A-4903-809D-B5CE073BB6BF}"/>
+              </a:ext>
+            </a:extLst>
+          </p:cNvPr>
+          <p:cNvSpPr txBox="1"/>
+          <p:nvPr/>
+        </p:nvSpPr>
+        <p:spPr>
+          <a:xfrm>
+            <a:off x="6871731" y="2100490"/>
+            <a:ext cx="3383280" cy="646331"/>
+          </a:xfrm>
+          <a:prstGeom prst="rect">
+            <a:avLst/>
+          </a:prstGeom>
+          <a:noFill/>
+        </p:spPr>
+        <p:txBody>
+          <a:bodyPr wrap="square" rtlCol="0">
+            <a:spAutoFit/>
+          </a:bodyPr>
+          <a:lstStyle/>
+          <a:p>
+            <a:r>
+              <a:rPr lang="en-US" dirty="0"/>
+              <a:t>Generate CRUD from a pre-defined JSON file</a:t>
+            </a:r>
+          </a:p>
+        </p:txBody>
+      </p:sp>
+      <p:sp>
+        <p:nvSpPr>
+          <p:cNvPr id="11" name="TextBox 10">
+            <a:extLst>
+              <a:ext uri="{FF2B5EF4-FFF2-40B4-BE49-F238E27FC236}">
+                <a16:creationId xmlns:a16="http://schemas.microsoft.com/office/drawing/2014/main" id="{C2C52C2C-FD25-4C5B-9267-7D1531FBF0A1}"/>
+              </a:ext>
+            </a:extLst>
+          </p:cNvPr>
+          <p:cNvSpPr txBox="1"/>
+          <p:nvPr/>
+        </p:nvSpPr>
+        <p:spPr>
+          <a:xfrm>
+            <a:off x="7909559" y="4910824"/>
+            <a:ext cx="2753959" cy="369332"/>
+          </a:xfrm>
+          <a:prstGeom prst="rect">
+            <a:avLst/>
+          </a:prstGeom>
+          <a:noFill/>
+        </p:spPr>
+        <p:txBody>
+          <a:bodyPr wrap="none" rtlCol="0">
+            <a:spAutoFit/>
+          </a:bodyPr>
+          <a:lstStyle/>
+          <a:p>
+            <a:r>
+              <a:rPr lang="en-US" dirty="0"/>
+              <a:t>Config CRUD Generator</a:t>
+            </a:r>
           </a:p>
         </p:txBody>
       </p:sp>

--- a/my-presentation.pptx
+++ b/my-presentation.pptx
@@ -5,7 +5,7 @@
     <p:sldMasterId id="2147483674" r:id="rId1"/>
   </p:sldMasterIdLst>
   <p:notesMasterIdLst>
-    <p:notesMasterId r:id="rId13"/>
+    <p:notesMasterId r:id="rId16"/>
   </p:notesMasterIdLst>
   <p:sldIdLst>
     <p:sldId id="256" r:id="rId2"/>
@@ -15,10 +15,13 @@
     <p:sldId id="260" r:id="rId6"/>
     <p:sldId id="262" r:id="rId7"/>
     <p:sldId id="263" r:id="rId8"/>
-    <p:sldId id="264" r:id="rId9"/>
-    <p:sldId id="265" r:id="rId10"/>
-    <p:sldId id="266" r:id="rId11"/>
-    <p:sldId id="267" r:id="rId12"/>
+    <p:sldId id="268" r:id="rId9"/>
+    <p:sldId id="269" r:id="rId10"/>
+    <p:sldId id="264" r:id="rId11"/>
+    <p:sldId id="270" r:id="rId12"/>
+    <p:sldId id="265" r:id="rId13"/>
+    <p:sldId id="266" r:id="rId14"/>
+    <p:sldId id="267" r:id="rId15"/>
   </p:sldIdLst>
   <p:sldSz cx="12192000" cy="6858000"/>
   <p:notesSz cx="6858000" cy="9144000"/>
@@ -207,7 +210,7 @@
           <a:p>
             <a:fld id="{2664808E-92C2-0F48-A682-5FB3907F0085}" type="datetimeFigureOut">
               <a:rPr lang="en-US" smtClean="0"/>
-              <a:t>2/25/2020</a:t>
+              <a:t>2/26/2020</a:t>
             </a:fld>
             <a:endParaRPr lang="en-US"/>
           </a:p>
@@ -1060,7 +1063,7 @@
             <a:fld id="{5923F103-BC34-4FE4-A40E-EDDEECFDA5D0}" type="datetimeFigureOut">
               <a:rPr lang="en-US" smtClean="0"/>
               <a:pPr/>
-              <a:t>2/25/2020</a:t>
+              <a:t>2/26/2020</a:t>
             </a:fld>
             <a:endParaRPr lang="en-US" dirty="0"/>
           </a:p>
@@ -1238,7 +1241,7 @@
           <a:p>
             <a:fld id="{53086D93-FCAC-47E0-A2EE-787E62CA814C}" type="datetimeFigureOut">
               <a:rPr lang="en-US" smtClean="0"/>
-              <a:t>2/25/2020</a:t>
+              <a:t>2/26/2020</a:t>
             </a:fld>
             <a:endParaRPr lang="en-US" dirty="0"/>
           </a:p>
@@ -1419,7 +1422,7 @@
           <a:p>
             <a:fld id="{CDA879A6-0FD0-4734-A311-86BFCA472E6E}" type="datetimeFigureOut">
               <a:rPr lang="en-US" smtClean="0"/>
-              <a:t>2/25/2020</a:t>
+              <a:t>2/26/2020</a:t>
             </a:fld>
             <a:endParaRPr lang="en-US" dirty="0"/>
           </a:p>
@@ -1590,7 +1593,7 @@
           <a:p>
             <a:fld id="{19C9CA7B-DFD4-44B5-8C60-D14B8CD1FB59}" type="datetimeFigureOut">
               <a:rPr lang="en-US" smtClean="0"/>
-              <a:t>2/25/2020</a:t>
+              <a:t>2/26/2020</a:t>
             </a:fld>
             <a:endParaRPr lang="en-US" dirty="0"/>
           </a:p>
@@ -1912,7 +1915,7 @@
           <a:p>
             <a:fld id="{F34E6425-0181-43F2-84FC-787E803FD2F8}" type="datetimeFigureOut">
               <a:rPr lang="en-US" smtClean="0"/>
-              <a:t>2/25/2020</a:t>
+              <a:t>2/26/2020</a:t>
             </a:fld>
             <a:endParaRPr lang="en-US" dirty="0"/>
           </a:p>
@@ -2373,7 +2376,7 @@
           <a:p>
             <a:fld id="{3BDB8791-F1B0-41E7-B7FD-A781E65C4266}" type="datetimeFigureOut">
               <a:rPr lang="en-US" smtClean="0"/>
-              <a:t>2/25/2020</a:t>
+              <a:t>2/26/2020</a:t>
             </a:fld>
             <a:endParaRPr lang="en-US" dirty="0"/>
           </a:p>
@@ -2785,7 +2788,7 @@
           <a:p>
             <a:fld id="{5FDD63B2-E120-4ED8-B27B-C685F510A5FE}" type="datetimeFigureOut">
               <a:rPr lang="en-US" smtClean="0"/>
-              <a:t>2/25/2020</a:t>
+              <a:t>2/26/2020</a:t>
             </a:fld>
             <a:endParaRPr lang="en-US" dirty="0"/>
           </a:p>
@@ -2904,7 +2907,7 @@
           <a:p>
             <a:fld id="{7AA18ACC-A947-437B-A130-35BD54FDF1E9}" type="datetimeFigureOut">
               <a:rPr lang="en-US" smtClean="0"/>
-              <a:t>2/25/2020</a:t>
+              <a:t>2/26/2020</a:t>
             </a:fld>
             <a:endParaRPr lang="en-US" dirty="0"/>
           </a:p>
@@ -3022,7 +3025,7 @@
           <a:p>
             <a:fld id="{7C8D7E02-BCB8-4D50-A234-369438C08659}" type="datetimeFigureOut">
               <a:rPr lang="en-US" smtClean="0"/>
-              <a:t>2/25/2020</a:t>
+              <a:t>2/26/2020</a:t>
             </a:fld>
             <a:endParaRPr lang="en-US" dirty="0"/>
           </a:p>
@@ -3381,7 +3384,7 @@
           <a:p>
             <a:fld id="{76E86A4C-8E40-4F87-A4F0-01A0687C5742}" type="datetimeFigureOut">
               <a:rPr lang="en-US" smtClean="0"/>
-              <a:t>2/25/2020</a:t>
+              <a:t>2/26/2020</a:t>
             </a:fld>
             <a:endParaRPr lang="en-US" dirty="0"/>
           </a:p>
@@ -3889,7 +3892,7 @@
           <a:p>
             <a:fld id="{35E72C73-2D91-4E12-BA25-F0AA0C03599B}" type="datetimeFigureOut">
               <a:rPr lang="en-US" smtClean="0"/>
-              <a:t>2/25/2020</a:t>
+              <a:t>2/26/2020</a:t>
             </a:fld>
             <a:endParaRPr lang="en-US" dirty="0"/>
           </a:p>
@@ -4245,7 +4248,7 @@
           <a:p>
             <a:fld id="{2BE451C3-0FF4-47C4-B829-773ADF60F88C}" type="datetimeFigureOut">
               <a:rPr lang="en-US" smtClean="0"/>
-              <a:t>2/25/2020</a:t>
+              <a:t>2/26/2020</a:t>
             </a:fld>
             <a:endParaRPr lang="en-US" dirty="0"/>
           </a:p>
@@ -4977,6 +4980,802 @@
       </p:grpSpPr>
       <p:pic>
         <p:nvPicPr>
+          <p:cNvPr id="3074" name="Picture 2" descr="Image result for plopjs">
+            <a:extLst>
+              <a:ext uri="{FF2B5EF4-FFF2-40B4-BE49-F238E27FC236}">
+                <a16:creationId xmlns:a16="http://schemas.microsoft.com/office/drawing/2014/main" id="{9FA8A41B-37A3-44F7-BC93-47DFC3EDB059}"/>
+              </a:ext>
+            </a:extLst>
+          </p:cNvPr>
+          <p:cNvPicPr>
+            <a:picLocks noChangeAspect="1" noChangeArrowheads="1"/>
+          </p:cNvPicPr>
+          <p:nvPr/>
+        </p:nvPicPr>
+        <p:blipFill rotWithShape="1">
+          <a:blip r:embed="rId2">
+            <a:extLst>
+              <a:ext uri="{28A0092B-C50C-407E-A947-70E740481C1C}">
+                <a14:useLocalDpi xmlns:a14="http://schemas.microsoft.com/office/drawing/2010/main" val="0"/>
+              </a:ext>
+            </a:extLst>
+          </a:blip>
+          <a:srcRect l="24880" r="22607"/>
+          <a:stretch/>
+        </p:blipFill>
+        <p:spPr bwMode="auto">
+          <a:xfrm>
+            <a:off x="1354584" y="1821198"/>
+            <a:ext cx="2037861" cy="2012701"/>
+          </a:xfrm>
+          <a:prstGeom prst="rect">
+            <a:avLst/>
+          </a:prstGeom>
+          <a:noFill/>
+          <a:extLst>
+            <a:ext uri="{909E8E84-426E-40DD-AFC4-6F175D3DCCD1}">
+              <a14:hiddenFill xmlns:a14="http://schemas.microsoft.com/office/drawing/2010/main">
+                <a:solidFill>
+                  <a:srgbClr val="FFFFFF"/>
+                </a:solidFill>
+              </a14:hiddenFill>
+            </a:ext>
+          </a:extLst>
+        </p:spPr>
+      </p:pic>
+      <p:pic>
+        <p:nvPicPr>
+          <p:cNvPr id="13" name="Picture 12">
+            <a:extLst>
+              <a:ext uri="{FF2B5EF4-FFF2-40B4-BE49-F238E27FC236}">
+                <a16:creationId xmlns:a16="http://schemas.microsoft.com/office/drawing/2014/main" id="{877E7AB8-49ED-46E3-8294-4E58D576695F}"/>
+              </a:ext>
+            </a:extLst>
+          </p:cNvPr>
+          <p:cNvPicPr>
+            <a:picLocks noChangeAspect="1"/>
+          </p:cNvPicPr>
+          <p:nvPr/>
+        </p:nvPicPr>
+        <p:blipFill>
+          <a:blip r:embed="rId3"/>
+          <a:stretch>
+            <a:fillRect/>
+          </a:stretch>
+        </p:blipFill>
+        <p:spPr>
+          <a:xfrm>
+            <a:off x="1001112" y="429628"/>
+            <a:ext cx="10059272" cy="1609483"/>
+          </a:xfrm>
+          <a:prstGeom prst="rect">
+            <a:avLst/>
+          </a:prstGeom>
+        </p:spPr>
+      </p:pic>
+      <p:pic>
+        <p:nvPicPr>
+          <p:cNvPr id="3078" name="Picture 6" descr="Image result for handlebars js">
+            <a:extLst>
+              <a:ext uri="{FF2B5EF4-FFF2-40B4-BE49-F238E27FC236}">
+                <a16:creationId xmlns:a16="http://schemas.microsoft.com/office/drawing/2014/main" id="{3C063246-34F6-4ADD-B4CD-F6890AA49ACA}"/>
+              </a:ext>
+            </a:extLst>
+          </p:cNvPr>
+          <p:cNvPicPr>
+            <a:picLocks noChangeAspect="1" noChangeArrowheads="1"/>
+          </p:cNvPicPr>
+          <p:nvPr/>
+        </p:nvPicPr>
+        <p:blipFill>
+          <a:blip r:embed="rId4">
+            <a:extLst>
+              <a:ext uri="{28A0092B-C50C-407E-A947-70E740481C1C}">
+                <a14:useLocalDpi xmlns:a14="http://schemas.microsoft.com/office/drawing/2010/main" val="0"/>
+              </a:ext>
+            </a:extLst>
+          </a:blip>
+          <a:srcRect/>
+          <a:stretch>
+            <a:fillRect/>
+          </a:stretch>
+        </p:blipFill>
+        <p:spPr bwMode="auto">
+          <a:xfrm>
+            <a:off x="1354584" y="4018790"/>
+            <a:ext cx="2857500" cy="1600200"/>
+          </a:xfrm>
+          <a:prstGeom prst="rect">
+            <a:avLst/>
+          </a:prstGeom>
+          <a:noFill/>
+          <a:extLst>
+            <a:ext uri="{909E8E84-426E-40DD-AFC4-6F175D3DCCD1}">
+              <a14:hiddenFill xmlns:a14="http://schemas.microsoft.com/office/drawing/2010/main">
+                <a:solidFill>
+                  <a:srgbClr val="FFFFFF"/>
+                </a:solidFill>
+              </a14:hiddenFill>
+            </a:ext>
+          </a:extLst>
+        </p:spPr>
+      </p:pic>
+      <p:sp>
+        <p:nvSpPr>
+          <p:cNvPr id="5" name="Arrow: Curved Right 4">
+            <a:extLst>
+              <a:ext uri="{FF2B5EF4-FFF2-40B4-BE49-F238E27FC236}">
+                <a16:creationId xmlns:a16="http://schemas.microsoft.com/office/drawing/2014/main" id="{83BED994-1A83-441B-8280-F4DCEFDEBFA4}"/>
+              </a:ext>
+            </a:extLst>
+          </p:cNvPr>
+          <p:cNvSpPr/>
+          <p:nvPr/>
+        </p:nvSpPr>
+        <p:spPr>
+          <a:xfrm>
+            <a:off x="544357" y="3133123"/>
+            <a:ext cx="810227" cy="1401551"/>
+          </a:xfrm>
+          <a:prstGeom prst="curvedRightArrow">
+            <a:avLst/>
+          </a:prstGeom>
+        </p:spPr>
+        <p:style>
+          <a:lnRef idx="2">
+            <a:schemeClr val="accent1">
+              <a:shade val="50000"/>
+            </a:schemeClr>
+          </a:lnRef>
+          <a:fillRef idx="1">
+            <a:schemeClr val="accent1"/>
+          </a:fillRef>
+          <a:effectRef idx="0">
+            <a:schemeClr val="accent1"/>
+          </a:effectRef>
+          <a:fontRef idx="minor">
+            <a:schemeClr val="lt1"/>
+          </a:fontRef>
+        </p:style>
+        <p:txBody>
+          <a:bodyPr rtlCol="0" anchor="ctr"/>
+          <a:lstStyle/>
+          <a:p>
+            <a:pPr algn="ctr"/>
+            <a:endParaRPr lang="en-US">
+              <a:solidFill>
+                <a:schemeClr val="tx1"/>
+              </a:solidFill>
+            </a:endParaRPr>
+          </a:p>
+        </p:txBody>
+      </p:sp>
+      <p:pic>
+        <p:nvPicPr>
+          <p:cNvPr id="6" name="Picture 5">
+            <a:extLst>
+              <a:ext uri="{FF2B5EF4-FFF2-40B4-BE49-F238E27FC236}">
+                <a16:creationId xmlns:a16="http://schemas.microsoft.com/office/drawing/2014/main" id="{D6335477-0F2C-4AE9-9C90-C6ECC00AAF25}"/>
+              </a:ext>
+            </a:extLst>
+          </p:cNvPr>
+          <p:cNvPicPr>
+            <a:picLocks noChangeAspect="1"/>
+          </p:cNvPicPr>
+          <p:nvPr/>
+        </p:nvPicPr>
+        <p:blipFill rotWithShape="1">
+          <a:blip r:embed="rId5"/>
+          <a:srcRect b="19797"/>
+          <a:stretch/>
+        </p:blipFill>
+        <p:spPr>
+          <a:xfrm>
+            <a:off x="4426878" y="3833899"/>
+            <a:ext cx="2231562" cy="2034077"/>
+          </a:xfrm>
+          <a:prstGeom prst="rect">
+            <a:avLst/>
+          </a:prstGeom>
+        </p:spPr>
+      </p:pic>
+      <p:pic>
+        <p:nvPicPr>
+          <p:cNvPr id="7" name="Picture 6">
+            <a:extLst>
+              <a:ext uri="{FF2B5EF4-FFF2-40B4-BE49-F238E27FC236}">
+                <a16:creationId xmlns:a16="http://schemas.microsoft.com/office/drawing/2014/main" id="{4A4FF6ED-D441-4475-ACA6-E4CAE262BCCF}"/>
+              </a:ext>
+            </a:extLst>
+          </p:cNvPr>
+          <p:cNvPicPr>
+            <a:picLocks noChangeAspect="1"/>
+          </p:cNvPicPr>
+          <p:nvPr/>
+        </p:nvPicPr>
+        <p:blipFill>
+          <a:blip r:embed="rId6"/>
+          <a:stretch>
+            <a:fillRect/>
+          </a:stretch>
+        </p:blipFill>
+        <p:spPr>
+          <a:xfrm>
+            <a:off x="3658065" y="2431273"/>
+            <a:ext cx="3918392" cy="792549"/>
+          </a:xfrm>
+          <a:prstGeom prst="rect">
+            <a:avLst/>
+          </a:prstGeom>
+        </p:spPr>
+      </p:pic>
+      <p:pic>
+        <p:nvPicPr>
+          <p:cNvPr id="11" name="Picture 10">
+            <a:extLst>
+              <a:ext uri="{FF2B5EF4-FFF2-40B4-BE49-F238E27FC236}">
+                <a16:creationId xmlns:a16="http://schemas.microsoft.com/office/drawing/2014/main" id="{C898ECAD-9752-43D8-B631-33FD4E305B94}"/>
+              </a:ext>
+            </a:extLst>
+          </p:cNvPr>
+          <p:cNvPicPr>
+            <a:picLocks noChangeAspect="1"/>
+          </p:cNvPicPr>
+          <p:nvPr/>
+        </p:nvPicPr>
+        <p:blipFill>
+          <a:blip r:embed="rId7"/>
+          <a:stretch>
+            <a:fillRect/>
+          </a:stretch>
+        </p:blipFill>
+        <p:spPr>
+          <a:xfrm>
+            <a:off x="7692873" y="926013"/>
+            <a:ext cx="4170594" cy="3873578"/>
+          </a:xfrm>
+          <a:prstGeom prst="rect">
+            <a:avLst/>
+          </a:prstGeom>
+        </p:spPr>
+      </p:pic>
+    </p:spTree>
+    <p:extLst>
+      <p:ext uri="{BB962C8B-B14F-4D97-AF65-F5344CB8AC3E}">
+        <p14:creationId xmlns:p14="http://schemas.microsoft.com/office/powerpoint/2010/main" val="1307093001"/>
+      </p:ext>
+    </p:extLst>
+  </p:cSld>
+  <p:clrMapOvr>
+    <a:masterClrMapping/>
+  </p:clrMapOvr>
+</p:sld>
+</file>
+
+<file path=ppt/slides/slide11.xml><?xml version="1.0" encoding="utf-8"?>
+<p:sld xmlns:a="http://schemas.openxmlformats.org/drawingml/2006/main" xmlns:r="http://schemas.openxmlformats.org/officeDocument/2006/relationships" xmlns:p="http://schemas.openxmlformats.org/presentationml/2006/main">
+  <p:cSld>
+    <p:spTree>
+      <p:nvGrpSpPr>
+        <p:cNvPr id="1" name=""/>
+        <p:cNvGrpSpPr/>
+        <p:nvPr/>
+      </p:nvGrpSpPr>
+      <p:grpSpPr>
+        <a:xfrm>
+          <a:off x="0" y="0"/>
+          <a:ext cx="0" cy="0"/>
+          <a:chOff x="0" y="0"/>
+          <a:chExt cx="0" cy="0"/>
+        </a:xfrm>
+      </p:grpSpPr>
+      <p:grpSp>
+        <p:nvGrpSpPr>
+          <p:cNvPr id="10" name="Group 9">
+            <a:extLst>
+              <a:ext uri="{FF2B5EF4-FFF2-40B4-BE49-F238E27FC236}">
+                <a16:creationId xmlns:a16="http://schemas.microsoft.com/office/drawing/2014/main" id="{EE1B4073-412F-4D99-A462-BBB81D833E27}"/>
+              </a:ext>
+            </a:extLst>
+          </p:cNvPr>
+          <p:cNvGrpSpPr/>
+          <p:nvPr/>
+        </p:nvGrpSpPr>
+        <p:grpSpPr>
+          <a:xfrm>
+            <a:off x="676656" y="2286000"/>
+            <a:ext cx="8647790" cy="2602230"/>
+            <a:chOff x="3291564" y="79629"/>
+            <a:chExt cx="8567928" cy="2419350"/>
+          </a:xfrm>
+        </p:grpSpPr>
+        <p:pic>
+          <p:nvPicPr>
+            <p:cNvPr id="4" name="Picture 3">
+              <a:extLst>
+                <a:ext uri="{FF2B5EF4-FFF2-40B4-BE49-F238E27FC236}">
+                  <a16:creationId xmlns:a16="http://schemas.microsoft.com/office/drawing/2014/main" id="{D08E4169-C539-41BE-AF39-10E6BB4C7B25}"/>
+                </a:ext>
+              </a:extLst>
+            </p:cNvPr>
+            <p:cNvPicPr>
+              <a:picLocks noChangeAspect="1"/>
+            </p:cNvPicPr>
+            <p:nvPr/>
+          </p:nvPicPr>
+          <p:blipFill>
+            <a:blip r:embed="rId2"/>
+            <a:stretch>
+              <a:fillRect/>
+            </a:stretch>
+          </p:blipFill>
+          <p:spPr>
+            <a:xfrm>
+              <a:off x="3522127" y="79629"/>
+              <a:ext cx="8106802" cy="2419350"/>
+            </a:xfrm>
+            <a:prstGeom prst="rect">
+              <a:avLst/>
+            </a:prstGeom>
+          </p:spPr>
+        </p:pic>
+        <p:sp>
+          <p:nvSpPr>
+            <p:cNvPr id="8" name="Rectangle 7">
+              <a:extLst>
+                <a:ext uri="{FF2B5EF4-FFF2-40B4-BE49-F238E27FC236}">
+                  <a16:creationId xmlns:a16="http://schemas.microsoft.com/office/drawing/2014/main" id="{0326DB65-F227-433E-A0D0-55FE1B67C495}"/>
+                </a:ext>
+              </a:extLst>
+            </p:cNvPr>
+            <p:cNvSpPr/>
+            <p:nvPr/>
+          </p:nvSpPr>
+          <p:spPr>
+            <a:xfrm>
+              <a:off x="3291564" y="301752"/>
+              <a:ext cx="8567928" cy="2197227"/>
+            </a:xfrm>
+            <a:prstGeom prst="rect">
+              <a:avLst/>
+            </a:prstGeom>
+            <a:noFill/>
+            <a:ln w="57150"/>
+          </p:spPr>
+          <p:style>
+            <a:lnRef idx="2">
+              <a:schemeClr val="accent1">
+                <a:shade val="50000"/>
+              </a:schemeClr>
+            </a:lnRef>
+            <a:fillRef idx="1">
+              <a:schemeClr val="accent1"/>
+            </a:fillRef>
+            <a:effectRef idx="0">
+              <a:schemeClr val="accent1"/>
+            </a:effectRef>
+            <a:fontRef idx="minor">
+              <a:schemeClr val="lt1"/>
+            </a:fontRef>
+          </p:style>
+          <p:txBody>
+            <a:bodyPr rtlCol="0" anchor="ctr"/>
+            <a:lstStyle/>
+            <a:p>
+              <a:pPr algn="ctr"/>
+              <a:endParaRPr lang="en-US"/>
+            </a:p>
+          </p:txBody>
+        </p:sp>
+      </p:grpSp>
+      <p:pic>
+        <p:nvPicPr>
+          <p:cNvPr id="3074" name="Picture 2" descr="Image result for plopjs">
+            <a:extLst>
+              <a:ext uri="{FF2B5EF4-FFF2-40B4-BE49-F238E27FC236}">
+                <a16:creationId xmlns:a16="http://schemas.microsoft.com/office/drawing/2014/main" id="{9FA8A41B-37A3-44F7-BC93-47DFC3EDB059}"/>
+              </a:ext>
+            </a:extLst>
+          </p:cNvPr>
+          <p:cNvPicPr>
+            <a:picLocks noChangeAspect="1" noChangeArrowheads="1"/>
+          </p:cNvPicPr>
+          <p:nvPr/>
+        </p:nvPicPr>
+        <p:blipFill rotWithShape="1">
+          <a:blip r:embed="rId3">
+            <a:extLst>
+              <a:ext uri="{28A0092B-C50C-407E-A947-70E740481C1C}">
+                <a14:useLocalDpi xmlns:a14="http://schemas.microsoft.com/office/drawing/2010/main" val="0"/>
+              </a:ext>
+            </a:extLst>
+          </a:blip>
+          <a:srcRect l="24880" r="22607"/>
+          <a:stretch/>
+        </p:blipFill>
+        <p:spPr bwMode="auto">
+          <a:xfrm>
+            <a:off x="10562540" y="3068955"/>
+            <a:ext cx="1234441" cy="1219200"/>
+          </a:xfrm>
+          <a:prstGeom prst="rect">
+            <a:avLst/>
+          </a:prstGeom>
+          <a:noFill/>
+          <a:extLst>
+            <a:ext uri="{909E8E84-426E-40DD-AFC4-6F175D3DCCD1}">
+              <a14:hiddenFill xmlns:a14="http://schemas.microsoft.com/office/drawing/2010/main">
+                <a:solidFill>
+                  <a:srgbClr val="FFFFFF"/>
+                </a:solidFill>
+              </a14:hiddenFill>
+            </a:ext>
+          </a:extLst>
+        </p:spPr>
+      </p:pic>
+      <p:sp>
+        <p:nvSpPr>
+          <p:cNvPr id="9" name="Arrow: Striped Right 8">
+            <a:extLst>
+              <a:ext uri="{FF2B5EF4-FFF2-40B4-BE49-F238E27FC236}">
+                <a16:creationId xmlns:a16="http://schemas.microsoft.com/office/drawing/2014/main" id="{51AA419F-B840-49A7-84D2-730F842AAA52}"/>
+              </a:ext>
+            </a:extLst>
+          </p:cNvPr>
+          <p:cNvSpPr/>
+          <p:nvPr/>
+        </p:nvSpPr>
+        <p:spPr>
+          <a:xfrm>
+            <a:off x="9545729" y="3208020"/>
+            <a:ext cx="795528" cy="841248"/>
+          </a:xfrm>
+          <a:prstGeom prst="stripedRightArrow">
+            <a:avLst/>
+          </a:prstGeom>
+          <a:solidFill>
+            <a:schemeClr val="accent4">
+              <a:lumMod val="60000"/>
+              <a:lumOff val="40000"/>
+            </a:schemeClr>
+          </a:solidFill>
+        </p:spPr>
+        <p:style>
+          <a:lnRef idx="2">
+            <a:schemeClr val="accent1">
+              <a:shade val="50000"/>
+            </a:schemeClr>
+          </a:lnRef>
+          <a:fillRef idx="1">
+            <a:schemeClr val="accent1"/>
+          </a:fillRef>
+          <a:effectRef idx="0">
+            <a:schemeClr val="accent1"/>
+          </a:effectRef>
+          <a:fontRef idx="minor">
+            <a:schemeClr val="lt1"/>
+          </a:fontRef>
+        </p:style>
+        <p:txBody>
+          <a:bodyPr rtlCol="0" anchor="ctr"/>
+          <a:lstStyle/>
+          <a:p>
+            <a:pPr algn="ctr"/>
+            <a:endParaRPr lang="en-US"/>
+          </a:p>
+        </p:txBody>
+      </p:sp>
+      <p:pic>
+        <p:nvPicPr>
+          <p:cNvPr id="13" name="Picture 12">
+            <a:extLst>
+              <a:ext uri="{FF2B5EF4-FFF2-40B4-BE49-F238E27FC236}">
+                <a16:creationId xmlns:a16="http://schemas.microsoft.com/office/drawing/2014/main" id="{877E7AB8-49ED-46E3-8294-4E58D576695F}"/>
+              </a:ext>
+            </a:extLst>
+          </p:cNvPr>
+          <p:cNvPicPr>
+            <a:picLocks noChangeAspect="1"/>
+          </p:cNvPicPr>
+          <p:nvPr/>
+        </p:nvPicPr>
+        <p:blipFill>
+          <a:blip r:embed="rId4"/>
+          <a:stretch>
+            <a:fillRect/>
+          </a:stretch>
+        </p:blipFill>
+        <p:spPr>
+          <a:xfrm>
+            <a:off x="1001112" y="429628"/>
+            <a:ext cx="10059272" cy="1609483"/>
+          </a:xfrm>
+          <a:prstGeom prst="rect">
+            <a:avLst/>
+          </a:prstGeom>
+        </p:spPr>
+      </p:pic>
+    </p:spTree>
+    <p:extLst>
+      <p:ext uri="{BB962C8B-B14F-4D97-AF65-F5344CB8AC3E}">
+        <p14:creationId xmlns:p14="http://schemas.microsoft.com/office/powerpoint/2010/main" val="890689090"/>
+      </p:ext>
+    </p:extLst>
+  </p:cSld>
+  <p:clrMapOvr>
+    <a:masterClrMapping/>
+  </p:clrMapOvr>
+</p:sld>
+</file>
+
+<file path=ppt/slides/slide12.xml><?xml version="1.0" encoding="utf-8"?>
+<p:sld xmlns:a="http://schemas.openxmlformats.org/drawingml/2006/main" xmlns:r="http://schemas.openxmlformats.org/officeDocument/2006/relationships" xmlns:p="http://schemas.openxmlformats.org/presentationml/2006/main">
+  <p:cSld>
+    <p:spTree>
+      <p:nvGrpSpPr>
+        <p:cNvPr id="1" name=""/>
+        <p:cNvGrpSpPr/>
+        <p:nvPr/>
+      </p:nvGrpSpPr>
+      <p:grpSpPr>
+        <a:xfrm>
+          <a:off x="0" y="0"/>
+          <a:ext cx="0" cy="0"/>
+          <a:chOff x="0" y="0"/>
+          <a:chExt cx="0" cy="0"/>
+        </a:xfrm>
+      </p:grpSpPr>
+      <p:sp>
+        <p:nvSpPr>
+          <p:cNvPr id="2" name="Title 1"/>
+          <p:cNvSpPr>
+            <a:spLocks noGrp="1"/>
+          </p:cNvSpPr>
+          <p:nvPr>
+            <p:ph type="title"/>
+          </p:nvPr>
+        </p:nvSpPr>
+        <p:spPr/>
+        <p:txBody>
+          <a:bodyPr/>
+          <a:lstStyle/>
+          <a:p>
+            <a:r>
+              <a:rPr lang="en-US" dirty="0"/>
+              <a:t>Some extra things</a:t>
+            </a:r>
+          </a:p>
+        </p:txBody>
+      </p:sp>
+      <p:pic>
+        <p:nvPicPr>
+          <p:cNvPr id="6" name="Picture 5">
+            <a:extLst>
+              <a:ext uri="{FF2B5EF4-FFF2-40B4-BE49-F238E27FC236}">
+                <a16:creationId xmlns:a16="http://schemas.microsoft.com/office/drawing/2014/main" id="{731E631A-5020-4218-8585-A8DCC7027B3D}"/>
+              </a:ext>
+            </a:extLst>
+          </p:cNvPr>
+          <p:cNvPicPr>
+            <a:picLocks noChangeAspect="1"/>
+          </p:cNvPicPr>
+          <p:nvPr/>
+        </p:nvPicPr>
+        <p:blipFill rotWithShape="1">
+          <a:blip r:embed="rId2"/>
+          <a:srcRect r="1312" b="13300"/>
+          <a:stretch/>
+        </p:blipFill>
+        <p:spPr>
+          <a:xfrm>
+            <a:off x="1063751" y="2268648"/>
+            <a:ext cx="4256517" cy="3739456"/>
+          </a:xfrm>
+          <a:prstGeom prst="rect">
+            <a:avLst/>
+          </a:prstGeom>
+        </p:spPr>
+      </p:pic>
+      <p:sp>
+        <p:nvSpPr>
+          <p:cNvPr id="8" name="Arrow: Right 7">
+            <a:extLst>
+              <a:ext uri="{FF2B5EF4-FFF2-40B4-BE49-F238E27FC236}">
+                <a16:creationId xmlns:a16="http://schemas.microsoft.com/office/drawing/2014/main" id="{671AEF28-C153-4ED2-9819-7E108387D8EE}"/>
+              </a:ext>
+            </a:extLst>
+          </p:cNvPr>
+          <p:cNvSpPr/>
+          <p:nvPr/>
+        </p:nvSpPr>
+        <p:spPr>
+          <a:xfrm rot="19902293">
+            <a:off x="4666437" y="3138098"/>
+            <a:ext cx="2312364" cy="356616"/>
+          </a:xfrm>
+          <a:prstGeom prst="rightArrow">
+            <a:avLst/>
+          </a:prstGeom>
+          <a:solidFill>
+            <a:srgbClr val="92D050"/>
+          </a:solidFill>
+        </p:spPr>
+        <p:style>
+          <a:lnRef idx="2">
+            <a:schemeClr val="accent1">
+              <a:shade val="50000"/>
+            </a:schemeClr>
+          </a:lnRef>
+          <a:fillRef idx="1">
+            <a:schemeClr val="accent1"/>
+          </a:fillRef>
+          <a:effectRef idx="0">
+            <a:schemeClr val="accent1"/>
+          </a:effectRef>
+          <a:fontRef idx="minor">
+            <a:schemeClr val="lt1"/>
+          </a:fontRef>
+        </p:style>
+        <p:txBody>
+          <a:bodyPr rtlCol="0" anchor="ctr"/>
+          <a:lstStyle/>
+          <a:p>
+            <a:pPr algn="ctr"/>
+            <a:endParaRPr lang="en-US"/>
+          </a:p>
+        </p:txBody>
+      </p:sp>
+      <p:sp>
+        <p:nvSpPr>
+          <p:cNvPr id="9" name="Arrow: Right 8">
+            <a:extLst>
+              <a:ext uri="{FF2B5EF4-FFF2-40B4-BE49-F238E27FC236}">
+                <a16:creationId xmlns:a16="http://schemas.microsoft.com/office/drawing/2014/main" id="{A662695B-E76B-4AB4-AAD2-3FE157A13091}"/>
+              </a:ext>
+            </a:extLst>
+          </p:cNvPr>
+          <p:cNvSpPr/>
+          <p:nvPr/>
+        </p:nvSpPr>
+        <p:spPr>
+          <a:xfrm rot="800743">
+            <a:off x="4828031" y="4425200"/>
+            <a:ext cx="2980944" cy="311888"/>
+          </a:xfrm>
+          <a:prstGeom prst="rightArrow">
+            <a:avLst/>
+          </a:prstGeom>
+          <a:solidFill>
+            <a:srgbClr val="92D050"/>
+          </a:solidFill>
+        </p:spPr>
+        <p:style>
+          <a:lnRef idx="2">
+            <a:schemeClr val="accent1">
+              <a:shade val="50000"/>
+            </a:schemeClr>
+          </a:lnRef>
+          <a:fillRef idx="1">
+            <a:schemeClr val="accent1"/>
+          </a:fillRef>
+          <a:effectRef idx="0">
+            <a:schemeClr val="accent1"/>
+          </a:effectRef>
+          <a:fontRef idx="minor">
+            <a:schemeClr val="lt1"/>
+          </a:fontRef>
+        </p:style>
+        <p:txBody>
+          <a:bodyPr rtlCol="0" anchor="ctr"/>
+          <a:lstStyle/>
+          <a:p>
+            <a:pPr algn="ctr"/>
+            <a:endParaRPr lang="en-US"/>
+          </a:p>
+        </p:txBody>
+      </p:sp>
+      <p:sp>
+        <p:nvSpPr>
+          <p:cNvPr id="10" name="TextBox 9">
+            <a:extLst>
+              <a:ext uri="{FF2B5EF4-FFF2-40B4-BE49-F238E27FC236}">
+                <a16:creationId xmlns:a16="http://schemas.microsoft.com/office/drawing/2014/main" id="{45990927-600A-4903-809D-B5CE073BB6BF}"/>
+              </a:ext>
+            </a:extLst>
+          </p:cNvPr>
+          <p:cNvSpPr txBox="1"/>
+          <p:nvPr/>
+        </p:nvSpPr>
+        <p:spPr>
+          <a:xfrm>
+            <a:off x="6871731" y="2100490"/>
+            <a:ext cx="3383280" cy="646331"/>
+          </a:xfrm>
+          <a:prstGeom prst="rect">
+            <a:avLst/>
+          </a:prstGeom>
+          <a:noFill/>
+        </p:spPr>
+        <p:txBody>
+          <a:bodyPr wrap="square" rtlCol="0">
+            <a:spAutoFit/>
+          </a:bodyPr>
+          <a:lstStyle/>
+          <a:p>
+            <a:r>
+              <a:rPr lang="en-US" dirty="0"/>
+              <a:t>Generate CRUD from a pre-defined JSON file</a:t>
+            </a:r>
+          </a:p>
+        </p:txBody>
+      </p:sp>
+      <p:sp>
+        <p:nvSpPr>
+          <p:cNvPr id="11" name="TextBox 10">
+            <a:extLst>
+              <a:ext uri="{FF2B5EF4-FFF2-40B4-BE49-F238E27FC236}">
+                <a16:creationId xmlns:a16="http://schemas.microsoft.com/office/drawing/2014/main" id="{C2C52C2C-FD25-4C5B-9267-7D1531FBF0A1}"/>
+              </a:ext>
+            </a:extLst>
+          </p:cNvPr>
+          <p:cNvSpPr txBox="1"/>
+          <p:nvPr/>
+        </p:nvSpPr>
+        <p:spPr>
+          <a:xfrm>
+            <a:off x="7909559" y="4910824"/>
+            <a:ext cx="2753959" cy="369332"/>
+          </a:xfrm>
+          <a:prstGeom prst="rect">
+            <a:avLst/>
+          </a:prstGeom>
+          <a:noFill/>
+        </p:spPr>
+        <p:txBody>
+          <a:bodyPr wrap="none" rtlCol="0">
+            <a:spAutoFit/>
+          </a:bodyPr>
+          <a:lstStyle/>
+          <a:p>
+            <a:r>
+              <a:rPr lang="en-US" dirty="0"/>
+              <a:t>Config CRUD Generator</a:t>
+            </a:r>
+          </a:p>
+        </p:txBody>
+      </p:sp>
+    </p:spTree>
+    <p:extLst>
+      <p:ext uri="{BB962C8B-B14F-4D97-AF65-F5344CB8AC3E}">
+        <p14:creationId xmlns:p14="http://schemas.microsoft.com/office/powerpoint/2010/main" val="429759622"/>
+      </p:ext>
+    </p:extLst>
+  </p:cSld>
+  <p:clrMapOvr>
+    <a:masterClrMapping/>
+  </p:clrMapOvr>
+</p:sld>
+</file>
+
+<file path=ppt/slides/slide13.xml><?xml version="1.0" encoding="utf-8"?>
+<p:sld xmlns:a="http://schemas.openxmlformats.org/drawingml/2006/main" xmlns:r="http://schemas.openxmlformats.org/officeDocument/2006/relationships" xmlns:p="http://schemas.openxmlformats.org/presentationml/2006/main">
+  <p:cSld>
+    <p:spTree>
+      <p:nvGrpSpPr>
+        <p:cNvPr id="1" name=""/>
+        <p:cNvGrpSpPr/>
+        <p:nvPr/>
+      </p:nvGrpSpPr>
+      <p:grpSpPr>
+        <a:xfrm>
+          <a:off x="0" y="0"/>
+          <a:ext cx="0" cy="0"/>
+          <a:chOff x="0" y="0"/>
+          <a:chExt cx="0" cy="0"/>
+        </a:xfrm>
+      </p:grpSpPr>
+      <p:pic>
+        <p:nvPicPr>
           <p:cNvPr id="4" name="Picture 3">
             <a:extLst>
               <a:ext uri="{FF2B5EF4-FFF2-40B4-BE49-F238E27FC236}">
@@ -5018,7 +5817,7 @@
 </p:sld>
 </file>
 
-<file path=ppt/slides/slide11.xml><?xml version="1.0" encoding="utf-8"?>
+<file path=ppt/slides/slide14.xml><?xml version="1.0" encoding="utf-8"?>
 <p:sld xmlns:a="http://schemas.openxmlformats.org/drawingml/2006/main" xmlns:r="http://schemas.openxmlformats.org/officeDocument/2006/relationships" xmlns:p="http://schemas.openxmlformats.org/presentationml/2006/main">
   <p:cSld>
     <p:spTree>
@@ -6696,111 +7495,34 @@
           <a:chExt cx="0" cy="0"/>
         </a:xfrm>
       </p:grpSpPr>
-      <p:grpSp>
-        <p:nvGrpSpPr>
-          <p:cNvPr id="10" name="Group 9">
+      <p:sp>
+        <p:nvSpPr>
+          <p:cNvPr id="2" name="Title 1"/>
+          <p:cNvSpPr>
+            <a:spLocks noGrp="1"/>
+          </p:cNvSpPr>
+          <p:nvPr>
+            <p:ph type="title"/>
+          </p:nvPr>
+        </p:nvSpPr>
+        <p:spPr/>
+        <p:txBody>
+          <a:bodyPr/>
+          <a:lstStyle/>
+          <a:p>
+            <a:r>
+              <a:rPr lang="en-US" dirty="0"/>
+              <a:t>Details</a:t>
+            </a:r>
+          </a:p>
+        </p:txBody>
+      </p:sp>
+      <p:pic>
+        <p:nvPicPr>
+          <p:cNvPr id="2050" name="Picture 2" descr="Image result for yargs">
             <a:extLst>
               <a:ext uri="{FF2B5EF4-FFF2-40B4-BE49-F238E27FC236}">
-                <a16:creationId xmlns:a16="http://schemas.microsoft.com/office/drawing/2014/main" id="{EE1B4073-412F-4D99-A462-BBB81D833E27}"/>
-              </a:ext>
-            </a:extLst>
-          </p:cNvPr>
-          <p:cNvGrpSpPr/>
-          <p:nvPr/>
-        </p:nvGrpSpPr>
-        <p:grpSpPr>
-          <a:xfrm>
-            <a:off x="676656" y="2286000"/>
-            <a:ext cx="8647790" cy="2602230"/>
-            <a:chOff x="3291564" y="79629"/>
-            <a:chExt cx="8567928" cy="2419350"/>
-          </a:xfrm>
-        </p:grpSpPr>
-        <p:pic>
-          <p:nvPicPr>
-            <p:cNvPr id="4" name="Picture 3">
-              <a:extLst>
-                <a:ext uri="{FF2B5EF4-FFF2-40B4-BE49-F238E27FC236}">
-                  <a16:creationId xmlns:a16="http://schemas.microsoft.com/office/drawing/2014/main" id="{D08E4169-C539-41BE-AF39-10E6BB4C7B25}"/>
-                </a:ext>
-              </a:extLst>
-            </p:cNvPr>
-            <p:cNvPicPr>
-              <a:picLocks noChangeAspect="1"/>
-            </p:cNvPicPr>
-            <p:nvPr/>
-          </p:nvPicPr>
-          <p:blipFill>
-            <a:blip r:embed="rId2"/>
-            <a:stretch>
-              <a:fillRect/>
-            </a:stretch>
-          </p:blipFill>
-          <p:spPr>
-            <a:xfrm>
-              <a:off x="3522127" y="79629"/>
-              <a:ext cx="8106802" cy="2419350"/>
-            </a:xfrm>
-            <a:prstGeom prst="rect">
-              <a:avLst/>
-            </a:prstGeom>
-          </p:spPr>
-        </p:pic>
-        <p:sp>
-          <p:nvSpPr>
-            <p:cNvPr id="8" name="Rectangle 7">
-              <a:extLst>
-                <a:ext uri="{FF2B5EF4-FFF2-40B4-BE49-F238E27FC236}">
-                  <a16:creationId xmlns:a16="http://schemas.microsoft.com/office/drawing/2014/main" id="{0326DB65-F227-433E-A0D0-55FE1B67C495}"/>
-                </a:ext>
-              </a:extLst>
-            </p:cNvPr>
-            <p:cNvSpPr/>
-            <p:nvPr/>
-          </p:nvSpPr>
-          <p:spPr>
-            <a:xfrm>
-              <a:off x="3291564" y="301752"/>
-              <a:ext cx="8567928" cy="2197227"/>
-            </a:xfrm>
-            <a:prstGeom prst="rect">
-              <a:avLst/>
-            </a:prstGeom>
-            <a:noFill/>
-            <a:ln w="57150"/>
-          </p:spPr>
-          <p:style>
-            <a:lnRef idx="2">
-              <a:schemeClr val="accent1">
-                <a:shade val="50000"/>
-              </a:schemeClr>
-            </a:lnRef>
-            <a:fillRef idx="1">
-              <a:schemeClr val="accent1"/>
-            </a:fillRef>
-            <a:effectRef idx="0">
-              <a:schemeClr val="accent1"/>
-            </a:effectRef>
-            <a:fontRef idx="minor">
-              <a:schemeClr val="lt1"/>
-            </a:fontRef>
-          </p:style>
-          <p:txBody>
-            <a:bodyPr rtlCol="0" anchor="ctr"/>
-            <a:lstStyle/>
-            <a:p>
-              <a:pPr algn="ctr"/>
-              <a:endParaRPr lang="en-US"/>
-            </a:p>
-          </p:txBody>
-        </p:sp>
-      </p:grpSp>
-      <p:pic>
-        <p:nvPicPr>
-          <p:cNvPr id="3074" name="Picture 2" descr="Image result for plopjs">
-            <a:extLst>
-              <a:ext uri="{FF2B5EF4-FFF2-40B4-BE49-F238E27FC236}">
-                <a16:creationId xmlns:a16="http://schemas.microsoft.com/office/drawing/2014/main" id="{9FA8A41B-37A3-44F7-BC93-47DFC3EDB059}"/>
+                <a16:creationId xmlns:a16="http://schemas.microsoft.com/office/drawing/2014/main" id="{FD964384-1762-4976-A1F0-28AEC13A937E}"/>
               </a:ext>
             </a:extLst>
           </p:cNvPr>
@@ -6809,21 +7531,23 @@
           </p:cNvPicPr>
           <p:nvPr/>
         </p:nvPicPr>
-        <p:blipFill rotWithShape="1">
-          <a:blip r:embed="rId3">
+        <p:blipFill>
+          <a:blip r:embed="rId2">
             <a:extLst>
               <a:ext uri="{28A0092B-C50C-407E-A947-70E740481C1C}">
                 <a14:useLocalDpi xmlns:a14="http://schemas.microsoft.com/office/drawing/2010/main" val="0"/>
               </a:ext>
             </a:extLst>
           </a:blip>
-          <a:srcRect l="24880" r="22607"/>
-          <a:stretch/>
+          <a:srcRect/>
+          <a:stretch>
+            <a:fillRect/>
+          </a:stretch>
         </p:blipFill>
         <p:spPr bwMode="auto">
           <a:xfrm>
-            <a:off x="10562540" y="3068955"/>
-            <a:ext cx="1234441" cy="1219200"/>
+            <a:off x="951785" y="2881591"/>
+            <a:ext cx="1724025" cy="1990725"/>
           </a:xfrm>
           <a:prstGeom prst="rect">
             <a:avLst/>
@@ -6840,12 +7564,59 @@
           </a:extLst>
         </p:spPr>
       </p:pic>
+      <p:pic>
+        <p:nvPicPr>
+          <p:cNvPr id="1026" name="Picture 2" descr="Image result for yargs">
+            <a:extLst>
+              <a:ext uri="{FF2B5EF4-FFF2-40B4-BE49-F238E27FC236}">
+                <a16:creationId xmlns:a16="http://schemas.microsoft.com/office/drawing/2014/main" id="{60ED46E6-A4D0-4385-95E1-67EF42F9F36A}"/>
+              </a:ext>
+            </a:extLst>
+          </p:cNvPr>
+          <p:cNvPicPr>
+            <a:picLocks noChangeAspect="1" noChangeArrowheads="1"/>
+          </p:cNvPicPr>
+          <p:nvPr/>
+        </p:nvPicPr>
+        <p:blipFill>
+          <a:blip r:embed="rId3">
+            <a:extLst>
+              <a:ext uri="{28A0092B-C50C-407E-A947-70E740481C1C}">
+                <a14:useLocalDpi xmlns:a14="http://schemas.microsoft.com/office/drawing/2010/main" val="0"/>
+              </a:ext>
+            </a:extLst>
+          </a:blip>
+          <a:srcRect/>
+          <a:stretch>
+            <a:fillRect/>
+          </a:stretch>
+        </p:blipFill>
+        <p:spPr bwMode="auto">
+          <a:xfrm>
+            <a:off x="3703884" y="1971954"/>
+            <a:ext cx="8086725" cy="3810000"/>
+          </a:xfrm>
+          <a:prstGeom prst="rect">
+            <a:avLst/>
+          </a:prstGeom>
+          <a:noFill/>
+          <a:extLst>
+            <a:ext uri="{909E8E84-426E-40DD-AFC4-6F175D3DCCD1}">
+              <a14:hiddenFill xmlns:a14="http://schemas.microsoft.com/office/drawing/2010/main">
+                <a:solidFill>
+                  <a:srgbClr val="FFFFFF"/>
+                </a:solidFill>
+              </a14:hiddenFill>
+            </a:ext>
+          </a:extLst>
+        </p:spPr>
+      </p:pic>
       <p:sp>
         <p:nvSpPr>
           <p:cNvPr id="9" name="Arrow: Striped Right 8">
             <a:extLst>
               <a:ext uri="{FF2B5EF4-FFF2-40B4-BE49-F238E27FC236}">
-                <a16:creationId xmlns:a16="http://schemas.microsoft.com/office/drawing/2014/main" id="{51AA419F-B840-49A7-84D2-730F842AAA52}"/>
+                <a16:creationId xmlns:a16="http://schemas.microsoft.com/office/drawing/2014/main" id="{78DD01C2-E194-401D-AACA-77848A5C564E}"/>
               </a:ext>
             </a:extLst>
           </p:cNvPr>
@@ -6854,18 +7625,12 @@
         </p:nvSpPr>
         <p:spPr>
           <a:xfrm>
-            <a:off x="9545729" y="3208020"/>
-            <a:ext cx="795528" cy="841248"/>
+            <a:off x="2852723" y="3499063"/>
+            <a:ext cx="746449" cy="755779"/>
           </a:xfrm>
           <a:prstGeom prst="stripedRightArrow">
             <a:avLst/>
           </a:prstGeom>
-          <a:solidFill>
-            <a:schemeClr val="accent4">
-              <a:lumMod val="60000"/>
-              <a:lumOff val="40000"/>
-            </a:schemeClr>
-          </a:solidFill>
         </p:spPr>
         <p:style>
           <a:lnRef idx="2">
@@ -6892,40 +7657,10 @@
           </a:p>
         </p:txBody>
       </p:sp>
-      <p:pic>
-        <p:nvPicPr>
-          <p:cNvPr id="13" name="Picture 12">
-            <a:extLst>
-              <a:ext uri="{FF2B5EF4-FFF2-40B4-BE49-F238E27FC236}">
-                <a16:creationId xmlns:a16="http://schemas.microsoft.com/office/drawing/2014/main" id="{877E7AB8-49ED-46E3-8294-4E58D576695F}"/>
-              </a:ext>
-            </a:extLst>
-          </p:cNvPr>
-          <p:cNvPicPr>
-            <a:picLocks noChangeAspect="1"/>
-          </p:cNvPicPr>
-          <p:nvPr/>
-        </p:nvPicPr>
-        <p:blipFill>
-          <a:blip r:embed="rId4"/>
-          <a:stretch>
-            <a:fillRect/>
-          </a:stretch>
-        </p:blipFill>
-        <p:spPr>
-          <a:xfrm>
-            <a:off x="1001112" y="429628"/>
-            <a:ext cx="10059272" cy="1609483"/>
-          </a:xfrm>
-          <a:prstGeom prst="rect">
-            <a:avLst/>
-          </a:prstGeom>
-        </p:spPr>
-      </p:pic>
     </p:spTree>
     <p:extLst>
       <p:ext uri="{BB962C8B-B14F-4D97-AF65-F5344CB8AC3E}">
-        <p14:creationId xmlns:p14="http://schemas.microsoft.com/office/powerpoint/2010/main" val="1307093001"/>
+        <p14:creationId xmlns:p14="http://schemas.microsoft.com/office/powerpoint/2010/main" val="212799330"/>
       </p:ext>
     </p:extLst>
   </p:cSld>
@@ -6969,46 +7704,17 @@
           <a:p>
             <a:r>
               <a:rPr lang="en-US" dirty="0"/>
-              <a:t>Some extra things</a:t>
-            </a:r>
-          </a:p>
-        </p:txBody>
-      </p:sp>
-      <p:pic>
-        <p:nvPicPr>
-          <p:cNvPr id="6" name="Picture 5">
+              <a:t>Details</a:t>
+            </a:r>
+          </a:p>
+        </p:txBody>
+      </p:sp>
+      <p:sp>
+        <p:nvSpPr>
+          <p:cNvPr id="9" name="Arrow: Striped Right 8">
             <a:extLst>
               <a:ext uri="{FF2B5EF4-FFF2-40B4-BE49-F238E27FC236}">
-                <a16:creationId xmlns:a16="http://schemas.microsoft.com/office/drawing/2014/main" id="{731E631A-5020-4218-8585-A8DCC7027B3D}"/>
-              </a:ext>
-            </a:extLst>
-          </p:cNvPr>
-          <p:cNvPicPr>
-            <a:picLocks noChangeAspect="1"/>
-          </p:cNvPicPr>
-          <p:nvPr/>
-        </p:nvPicPr>
-        <p:blipFill rotWithShape="1">
-          <a:blip r:embed="rId2"/>
-          <a:srcRect r="1312" b="13300"/>
-          <a:stretch/>
-        </p:blipFill>
-        <p:spPr>
-          <a:xfrm>
-            <a:off x="1063751" y="2268648"/>
-            <a:ext cx="4256517" cy="3739456"/>
-          </a:xfrm>
-          <a:prstGeom prst="rect">
-            <a:avLst/>
-          </a:prstGeom>
-        </p:spPr>
-      </p:pic>
-      <p:sp>
-        <p:nvSpPr>
-          <p:cNvPr id="8" name="Arrow: Right 7">
-            <a:extLst>
-              <a:ext uri="{FF2B5EF4-FFF2-40B4-BE49-F238E27FC236}">
-                <a16:creationId xmlns:a16="http://schemas.microsoft.com/office/drawing/2014/main" id="{671AEF28-C153-4ED2-9819-7E108387D8EE}"/>
+                <a16:creationId xmlns:a16="http://schemas.microsoft.com/office/drawing/2014/main" id="{78DD01C2-E194-401D-AACA-77848A5C564E}"/>
               </a:ext>
             </a:extLst>
           </p:cNvPr>
@@ -7016,16 +7722,13 @@
           <p:nvPr/>
         </p:nvSpPr>
         <p:spPr>
-          <a:xfrm rot="19902293">
-            <a:off x="4666437" y="3138098"/>
-            <a:ext cx="2312364" cy="356616"/>
-          </a:xfrm>
-          <a:prstGeom prst="rightArrow">
+          <a:xfrm>
+            <a:off x="2852723" y="3499063"/>
+            <a:ext cx="1812583" cy="755779"/>
+          </a:xfrm>
+          <a:prstGeom prst="stripedRightArrow">
             <a:avLst/>
           </a:prstGeom>
-          <a:solidFill>
-            <a:srgbClr val="92D050"/>
-          </a:solidFill>
         </p:spPr>
         <p:style>
           <a:lnRef idx="2">
@@ -7052,61 +7755,42 @@
           </a:p>
         </p:txBody>
       </p:sp>
-      <p:sp>
-        <p:nvSpPr>
-          <p:cNvPr id="9" name="Arrow: Right 8">
+      <p:pic>
+        <p:nvPicPr>
+          <p:cNvPr id="6" name="Picture 5">
             <a:extLst>
               <a:ext uri="{FF2B5EF4-FFF2-40B4-BE49-F238E27FC236}">
-                <a16:creationId xmlns:a16="http://schemas.microsoft.com/office/drawing/2014/main" id="{A662695B-E76B-4AB4-AAD2-3FE157A13091}"/>
+                <a16:creationId xmlns:a16="http://schemas.microsoft.com/office/drawing/2014/main" id="{DFFA3A9F-7458-410B-B298-5987941C4C94}"/>
               </a:ext>
             </a:extLst>
           </p:cNvPr>
-          <p:cNvSpPr/>
+          <p:cNvPicPr>
+            <a:picLocks noChangeAspect="1"/>
+          </p:cNvPicPr>
           <p:nvPr/>
-        </p:nvSpPr>
+        </p:nvPicPr>
+        <p:blipFill>
+          <a:blip r:embed="rId2"/>
+          <a:stretch>
+            <a:fillRect/>
+          </a:stretch>
+        </p:blipFill>
         <p:spPr>
-          <a:xfrm rot="800743">
-            <a:off x="4828031" y="4425200"/>
-            <a:ext cx="2980944" cy="311888"/>
-          </a:xfrm>
-          <a:prstGeom prst="rightArrow">
+          <a:xfrm>
+            <a:off x="509636" y="2772052"/>
+            <a:ext cx="2238375" cy="2209800"/>
+          </a:xfrm>
+          <a:prstGeom prst="rect">
             <a:avLst/>
           </a:prstGeom>
-          <a:solidFill>
-            <a:srgbClr val="92D050"/>
-          </a:solidFill>
         </p:spPr>
-        <p:style>
-          <a:lnRef idx="2">
-            <a:schemeClr val="accent1">
-              <a:shade val="50000"/>
-            </a:schemeClr>
-          </a:lnRef>
-          <a:fillRef idx="1">
-            <a:schemeClr val="accent1"/>
-          </a:fillRef>
-          <a:effectRef idx="0">
-            <a:schemeClr val="accent1"/>
-          </a:effectRef>
-          <a:fontRef idx="minor">
-            <a:schemeClr val="lt1"/>
-          </a:fontRef>
-        </p:style>
-        <p:txBody>
-          <a:bodyPr rtlCol="0" anchor="ctr"/>
-          <a:lstStyle/>
-          <a:p>
-            <a:pPr algn="ctr"/>
-            <a:endParaRPr lang="en-US"/>
-          </a:p>
-        </p:txBody>
-      </p:sp>
-      <p:sp>
-        <p:nvSpPr>
-          <p:cNvPr id="10" name="TextBox 9">
+      </p:pic>
+      <p:sp>
+        <p:nvSpPr>
+          <p:cNvPr id="7" name="TextBox 6">
             <a:extLst>
               <a:ext uri="{FF2B5EF4-FFF2-40B4-BE49-F238E27FC236}">
-                <a16:creationId xmlns:a16="http://schemas.microsoft.com/office/drawing/2014/main" id="{45990927-600A-4903-809D-B5CE073BB6BF}"/>
+                <a16:creationId xmlns:a16="http://schemas.microsoft.com/office/drawing/2014/main" id="{CF762D89-9922-4213-BD5F-F3B4590289AB}"/>
               </a:ext>
             </a:extLst>
           </p:cNvPr>
@@ -7115,8 +7799,8 @@
         </p:nvSpPr>
         <p:spPr>
           <a:xfrm>
-            <a:off x="6871731" y="2100490"/>
-            <a:ext cx="3383280" cy="646331"/>
+            <a:off x="509636" y="2772052"/>
+            <a:ext cx="1628844" cy="461665"/>
           </a:xfrm>
           <a:prstGeom prst="rect">
             <a:avLst/>
@@ -7124,57 +7808,100 @@
           <a:noFill/>
         </p:spPr>
         <p:txBody>
-          <a:bodyPr wrap="square" rtlCol="0">
+          <a:bodyPr wrap="none" rtlCol="0">
             <a:spAutoFit/>
           </a:bodyPr>
           <a:lstStyle/>
           <a:p>
             <a:r>
-              <a:rPr lang="en-US" dirty="0"/>
-              <a:t>Generate CRUD from a pre-defined JSON file</a:t>
-            </a:r>
-          </a:p>
-        </p:txBody>
-      </p:sp>
-      <p:sp>
-        <p:nvSpPr>
-          <p:cNvPr id="11" name="TextBox 10">
+              <a:rPr lang="en-US" sz="2400" dirty="0">
+                <a:solidFill>
+                  <a:schemeClr val="accent1"/>
+                </a:solidFill>
+              </a:rPr>
+              <a:t>Inquirer.js</a:t>
+            </a:r>
+          </a:p>
+        </p:txBody>
+      </p:sp>
+      <p:pic>
+        <p:nvPicPr>
+          <p:cNvPr id="2054" name="Picture 6" descr="inquirer-s3">
             <a:extLst>
               <a:ext uri="{FF2B5EF4-FFF2-40B4-BE49-F238E27FC236}">
-                <a16:creationId xmlns:a16="http://schemas.microsoft.com/office/drawing/2014/main" id="{C2C52C2C-FD25-4C5B-9267-7D1531FBF0A1}"/>
+                <a16:creationId xmlns:a16="http://schemas.microsoft.com/office/drawing/2014/main" id="{16013C83-EDFD-4A37-B363-0C3B63979FA3}"/>
               </a:ext>
             </a:extLst>
           </p:cNvPr>
-          <p:cNvSpPr txBox="1"/>
+          <p:cNvPicPr>
+            <a:picLocks noChangeAspect="1" noChangeArrowheads="1"/>
+          </p:cNvPicPr>
           <p:nvPr/>
-        </p:nvSpPr>
-        <p:spPr>
+        </p:nvPicPr>
+        <p:blipFill rotWithShape="1">
+          <a:blip r:embed="rId3">
+            <a:extLst>
+              <a:ext uri="{28A0092B-C50C-407E-A947-70E740481C1C}">
+                <a14:useLocalDpi xmlns:a14="http://schemas.microsoft.com/office/drawing/2010/main" val="0"/>
+              </a:ext>
+            </a:extLst>
+          </a:blip>
+          <a:srcRect l="7270" t="9403" r="7092" b="19335"/>
+          <a:stretch/>
+        </p:blipFill>
+        <p:spPr bwMode="auto">
           <a:xfrm>
-            <a:off x="7909559" y="4910824"/>
-            <a:ext cx="2753959" cy="369332"/>
+            <a:off x="4770018" y="1404584"/>
+            <a:ext cx="5682465" cy="2295330"/>
           </a:xfrm>
           <a:prstGeom prst="rect">
             <a:avLst/>
           </a:prstGeom>
           <a:noFill/>
+          <a:extLst>
+            <a:ext uri="{909E8E84-426E-40DD-AFC4-6F175D3DCCD1}">
+              <a14:hiddenFill xmlns:a14="http://schemas.microsoft.com/office/drawing/2010/main">
+                <a:solidFill>
+                  <a:srgbClr val="FFFFFF"/>
+                </a:solidFill>
+              </a14:hiddenFill>
+            </a:ext>
+          </a:extLst>
         </p:spPr>
-        <p:txBody>
-          <a:bodyPr wrap="none" rtlCol="0">
-            <a:spAutoFit/>
-          </a:bodyPr>
-          <a:lstStyle/>
-          <a:p>
-            <a:r>
-              <a:rPr lang="en-US" dirty="0"/>
-              <a:t>Config CRUD Generator</a:t>
-            </a:r>
-          </a:p>
-        </p:txBody>
-      </p:sp>
+      </p:pic>
+      <p:pic>
+        <p:nvPicPr>
+          <p:cNvPr id="8" name="Picture 7">
+            <a:extLst>
+              <a:ext uri="{FF2B5EF4-FFF2-40B4-BE49-F238E27FC236}">
+                <a16:creationId xmlns:a16="http://schemas.microsoft.com/office/drawing/2014/main" id="{086CBB1C-7DBC-4EF4-9CCE-22177EA3C196}"/>
+              </a:ext>
+            </a:extLst>
+          </p:cNvPr>
+          <p:cNvPicPr>
+            <a:picLocks noChangeAspect="1"/>
+          </p:cNvPicPr>
+          <p:nvPr/>
+        </p:nvPicPr>
+        <p:blipFill rotWithShape="1">
+          <a:blip r:embed="rId4"/>
+          <a:srcRect r="36023"/>
+          <a:stretch/>
+        </p:blipFill>
+        <p:spPr>
+          <a:xfrm>
+            <a:off x="4770018" y="3900764"/>
+            <a:ext cx="4936016" cy="2162175"/>
+          </a:xfrm>
+          <a:prstGeom prst="rect">
+            <a:avLst/>
+          </a:prstGeom>
+        </p:spPr>
+      </p:pic>
     </p:spTree>
     <p:extLst>
       <p:ext uri="{BB962C8B-B14F-4D97-AF65-F5344CB8AC3E}">
-        <p14:creationId xmlns:p14="http://schemas.microsoft.com/office/powerpoint/2010/main" val="429759622"/>
+        <p14:creationId xmlns:p14="http://schemas.microsoft.com/office/powerpoint/2010/main" val="3093871483"/>
       </p:ext>
     </p:extLst>
   </p:cSld>
